--- a/TensorFlow Beginner 공부.pptx
+++ b/TensorFlow Beginner 공부.pptx
@@ -15,6 +15,7 @@
     <p:sldId id="263" r:id="rId9"/>
     <p:sldId id="264" r:id="rId10"/>
     <p:sldId id="265" r:id="rId11"/>
+    <p:sldId id="266" r:id="rId12"/>
   </p:sldIdLst>
   <p:sldSz cx="12192000" cy="6858000"/>
   <p:notesSz cx="6858000" cy="9144000"/>
@@ -268,7 +269,7 @@
           <a:p>
             <a:fld id="{C9FAC590-CD03-4791-BB02-6AE3E7057554}" type="datetimeFigureOut">
               <a:rPr lang="ko-KR" altLang="en-US" smtClean="0"/>
-              <a:t>2020-06-30</a:t>
+              <a:t>2020-07-03</a:t>
             </a:fld>
             <a:endParaRPr lang="ko-KR" altLang="en-US"/>
           </a:p>
@@ -466,7 +467,7 @@
           <a:p>
             <a:fld id="{C9FAC590-CD03-4791-BB02-6AE3E7057554}" type="datetimeFigureOut">
               <a:rPr lang="ko-KR" altLang="en-US" smtClean="0"/>
-              <a:t>2020-06-30</a:t>
+              <a:t>2020-07-03</a:t>
             </a:fld>
             <a:endParaRPr lang="ko-KR" altLang="en-US"/>
           </a:p>
@@ -674,7 +675,7 @@
           <a:p>
             <a:fld id="{C9FAC590-CD03-4791-BB02-6AE3E7057554}" type="datetimeFigureOut">
               <a:rPr lang="ko-KR" altLang="en-US" smtClean="0"/>
-              <a:t>2020-06-30</a:t>
+              <a:t>2020-07-03</a:t>
             </a:fld>
             <a:endParaRPr lang="ko-KR" altLang="en-US"/>
           </a:p>
@@ -872,7 +873,7 @@
           <a:p>
             <a:fld id="{C9FAC590-CD03-4791-BB02-6AE3E7057554}" type="datetimeFigureOut">
               <a:rPr lang="ko-KR" altLang="en-US" smtClean="0"/>
-              <a:t>2020-06-30</a:t>
+              <a:t>2020-07-03</a:t>
             </a:fld>
             <a:endParaRPr lang="ko-KR" altLang="en-US"/>
           </a:p>
@@ -1147,7 +1148,7 @@
           <a:p>
             <a:fld id="{C9FAC590-CD03-4791-BB02-6AE3E7057554}" type="datetimeFigureOut">
               <a:rPr lang="ko-KR" altLang="en-US" smtClean="0"/>
-              <a:t>2020-06-30</a:t>
+              <a:t>2020-07-03</a:t>
             </a:fld>
             <a:endParaRPr lang="ko-KR" altLang="en-US"/>
           </a:p>
@@ -1412,7 +1413,7 @@
           <a:p>
             <a:fld id="{C9FAC590-CD03-4791-BB02-6AE3E7057554}" type="datetimeFigureOut">
               <a:rPr lang="ko-KR" altLang="en-US" smtClean="0"/>
-              <a:t>2020-06-30</a:t>
+              <a:t>2020-07-03</a:t>
             </a:fld>
             <a:endParaRPr lang="ko-KR" altLang="en-US"/>
           </a:p>
@@ -1824,7 +1825,7 @@
           <a:p>
             <a:fld id="{C9FAC590-CD03-4791-BB02-6AE3E7057554}" type="datetimeFigureOut">
               <a:rPr lang="ko-KR" altLang="en-US" smtClean="0"/>
-              <a:t>2020-06-30</a:t>
+              <a:t>2020-07-03</a:t>
             </a:fld>
             <a:endParaRPr lang="ko-KR" altLang="en-US"/>
           </a:p>
@@ -1965,7 +1966,7 @@
           <a:p>
             <a:fld id="{C9FAC590-CD03-4791-BB02-6AE3E7057554}" type="datetimeFigureOut">
               <a:rPr lang="ko-KR" altLang="en-US" smtClean="0"/>
-              <a:t>2020-06-30</a:t>
+              <a:t>2020-07-03</a:t>
             </a:fld>
             <a:endParaRPr lang="ko-KR" altLang="en-US"/>
           </a:p>
@@ -2078,7 +2079,7 @@
           <a:p>
             <a:fld id="{C9FAC590-CD03-4791-BB02-6AE3E7057554}" type="datetimeFigureOut">
               <a:rPr lang="ko-KR" altLang="en-US" smtClean="0"/>
-              <a:t>2020-06-30</a:t>
+              <a:t>2020-07-03</a:t>
             </a:fld>
             <a:endParaRPr lang="ko-KR" altLang="en-US"/>
           </a:p>
@@ -2389,7 +2390,7 @@
           <a:p>
             <a:fld id="{C9FAC590-CD03-4791-BB02-6AE3E7057554}" type="datetimeFigureOut">
               <a:rPr lang="ko-KR" altLang="en-US" smtClean="0"/>
-              <a:t>2020-06-30</a:t>
+              <a:t>2020-07-03</a:t>
             </a:fld>
             <a:endParaRPr lang="ko-KR" altLang="en-US"/>
           </a:p>
@@ -2677,7 +2678,7 @@
           <a:p>
             <a:fld id="{C9FAC590-CD03-4791-BB02-6AE3E7057554}" type="datetimeFigureOut">
               <a:rPr lang="ko-KR" altLang="en-US" smtClean="0"/>
-              <a:t>2020-06-30</a:t>
+              <a:t>2020-07-03</a:t>
             </a:fld>
             <a:endParaRPr lang="ko-KR" altLang="en-US"/>
           </a:p>
@@ -2918,7 +2919,7 @@
           <a:p>
             <a:fld id="{C9FAC590-CD03-4791-BB02-6AE3E7057554}" type="datetimeFigureOut">
               <a:rPr lang="ko-KR" altLang="en-US" smtClean="0"/>
-              <a:t>2020-06-30</a:t>
+              <a:t>2020-07-03</a:t>
             </a:fld>
             <a:endParaRPr lang="ko-KR" altLang="en-US"/>
           </a:p>
@@ -3470,32 +3471,488 @@
           <a:bodyPr/>
           <a:lstStyle/>
           <a:p>
-            <a:endParaRPr lang="ko-KR" altLang="en-US"/>
-          </a:p>
-        </p:txBody>
-      </p:sp>
-      <p:sp>
-        <p:nvSpPr>
-          <p:cNvPr id="5" name="내용 개체 틀 4">
-            <a:extLst>
-              <a:ext uri="{FF2B5EF4-FFF2-40B4-BE49-F238E27FC236}">
-                <a16:creationId xmlns:a16="http://schemas.microsoft.com/office/drawing/2014/main" id="{32214463-6B56-4EF8-B1A1-799B3EE0D01D}"/>
-              </a:ext>
-            </a:extLst>
-          </p:cNvPr>
-          <p:cNvSpPr>
-            <a:spLocks noGrp="1"/>
-          </p:cNvSpPr>
+            <a:r>
+              <a:rPr lang="ko-KR" altLang="en-US" dirty="0"/>
+              <a:t>필요 </a:t>
+            </a:r>
+            <a:r>
+              <a:rPr lang="en-US" altLang="ko-KR" dirty="0"/>
+              <a:t>library import </a:t>
+            </a:r>
+            <a:endParaRPr lang="ko-KR" altLang="en-US" dirty="0"/>
+          </a:p>
+        </p:txBody>
+      </p:sp>
+      <p:pic>
+        <p:nvPicPr>
+          <p:cNvPr id="2" name="내용 개체 틀 1">
+            <a:extLst>
+              <a:ext uri="{FF2B5EF4-FFF2-40B4-BE49-F238E27FC236}">
+                <a16:creationId xmlns:a16="http://schemas.microsoft.com/office/drawing/2014/main" id="{4F183D8C-88F4-4294-937F-6C484836DAF2}"/>
+              </a:ext>
+            </a:extLst>
+          </p:cNvPr>
+          <p:cNvPicPr>
+            <a:picLocks noGrp="1" noChangeAspect="1"/>
+          </p:cNvPicPr>
           <p:nvPr>
             <p:ph idx="1"/>
           </p:nvPr>
-        </p:nvSpPr>
-        <p:spPr/>
-        <p:txBody>
-          <a:bodyPr/>
-          <a:lstStyle/>
-          <a:p>
-            <a:endParaRPr lang="ko-KR" altLang="en-US"/>
+        </p:nvPicPr>
+        <p:blipFill>
+          <a:blip r:embed="rId2"/>
+          <a:stretch>
+            <a:fillRect/>
+          </a:stretch>
+        </p:blipFill>
+        <p:spPr>
+          <a:xfrm>
+            <a:off x="838200" y="1690688"/>
+            <a:ext cx="8620125" cy="2686050"/>
+          </a:xfrm>
+          <a:prstGeom prst="rect">
+            <a:avLst/>
+          </a:prstGeom>
+        </p:spPr>
+      </p:pic>
+      <p:sp>
+        <p:nvSpPr>
+          <p:cNvPr id="6" name="사각형: 둥근 모서리 5">
+            <a:extLst>
+              <a:ext uri="{FF2B5EF4-FFF2-40B4-BE49-F238E27FC236}">
+                <a16:creationId xmlns:a16="http://schemas.microsoft.com/office/drawing/2014/main" id="{6E3F5557-CF6F-4CAE-B9ED-5AA1A83E53FA}"/>
+              </a:ext>
+            </a:extLst>
+          </p:cNvPr>
+          <p:cNvSpPr/>
+          <p:nvPr/>
+        </p:nvSpPr>
+        <p:spPr>
+          <a:xfrm>
+            <a:off x="3654632" y="2499235"/>
+            <a:ext cx="3165618" cy="517016"/>
+          </a:xfrm>
+          <a:custGeom>
+            <a:avLst/>
+            <a:gdLst>
+              <a:gd name="connsiteX0" fmla="*/ 0 w 3165618"/>
+              <a:gd name="connsiteY0" fmla="*/ 86171 h 517016"/>
+              <a:gd name="connsiteX1" fmla="*/ 86171 w 3165618"/>
+              <a:gd name="connsiteY1" fmla="*/ 0 h 517016"/>
+              <a:gd name="connsiteX2" fmla="*/ 595028 w 3165618"/>
+              <a:gd name="connsiteY2" fmla="*/ 0 h 517016"/>
+              <a:gd name="connsiteX3" fmla="*/ 1133818 w 3165618"/>
+              <a:gd name="connsiteY3" fmla="*/ 0 h 517016"/>
+              <a:gd name="connsiteX4" fmla="*/ 1642675 w 3165618"/>
+              <a:gd name="connsiteY4" fmla="*/ 0 h 517016"/>
+              <a:gd name="connsiteX5" fmla="*/ 2271262 w 3165618"/>
+              <a:gd name="connsiteY5" fmla="*/ 0 h 517016"/>
+              <a:gd name="connsiteX6" fmla="*/ 3079447 w 3165618"/>
+              <a:gd name="connsiteY6" fmla="*/ 0 h 517016"/>
+              <a:gd name="connsiteX7" fmla="*/ 3165618 w 3165618"/>
+              <a:gd name="connsiteY7" fmla="*/ 86171 h 517016"/>
+              <a:gd name="connsiteX8" fmla="*/ 3165618 w 3165618"/>
+              <a:gd name="connsiteY8" fmla="*/ 430845 h 517016"/>
+              <a:gd name="connsiteX9" fmla="*/ 3079447 w 3165618"/>
+              <a:gd name="connsiteY9" fmla="*/ 517016 h 517016"/>
+              <a:gd name="connsiteX10" fmla="*/ 2540657 w 3165618"/>
+              <a:gd name="connsiteY10" fmla="*/ 517016 h 517016"/>
+              <a:gd name="connsiteX11" fmla="*/ 1971935 w 3165618"/>
+              <a:gd name="connsiteY11" fmla="*/ 517016 h 517016"/>
+              <a:gd name="connsiteX12" fmla="*/ 1373280 w 3165618"/>
+              <a:gd name="connsiteY12" fmla="*/ 517016 h 517016"/>
+              <a:gd name="connsiteX13" fmla="*/ 744692 w 3165618"/>
+              <a:gd name="connsiteY13" fmla="*/ 517016 h 517016"/>
+              <a:gd name="connsiteX14" fmla="*/ 86171 w 3165618"/>
+              <a:gd name="connsiteY14" fmla="*/ 517016 h 517016"/>
+              <a:gd name="connsiteX15" fmla="*/ 0 w 3165618"/>
+              <a:gd name="connsiteY15" fmla="*/ 430845 h 517016"/>
+              <a:gd name="connsiteX16" fmla="*/ 0 w 3165618"/>
+              <a:gd name="connsiteY16" fmla="*/ 86171 h 517016"/>
+            </a:gdLst>
+            <a:ahLst/>
+            <a:cxnLst>
+              <a:cxn ang="0">
+                <a:pos x="connsiteX0" y="connsiteY0"/>
+              </a:cxn>
+              <a:cxn ang="0">
+                <a:pos x="connsiteX1" y="connsiteY1"/>
+              </a:cxn>
+              <a:cxn ang="0">
+                <a:pos x="connsiteX2" y="connsiteY2"/>
+              </a:cxn>
+              <a:cxn ang="0">
+                <a:pos x="connsiteX3" y="connsiteY3"/>
+              </a:cxn>
+              <a:cxn ang="0">
+                <a:pos x="connsiteX4" y="connsiteY4"/>
+              </a:cxn>
+              <a:cxn ang="0">
+                <a:pos x="connsiteX5" y="connsiteY5"/>
+              </a:cxn>
+              <a:cxn ang="0">
+                <a:pos x="connsiteX6" y="connsiteY6"/>
+              </a:cxn>
+              <a:cxn ang="0">
+                <a:pos x="connsiteX7" y="connsiteY7"/>
+              </a:cxn>
+              <a:cxn ang="0">
+                <a:pos x="connsiteX8" y="connsiteY8"/>
+              </a:cxn>
+              <a:cxn ang="0">
+                <a:pos x="connsiteX9" y="connsiteY9"/>
+              </a:cxn>
+              <a:cxn ang="0">
+                <a:pos x="connsiteX10" y="connsiteY10"/>
+              </a:cxn>
+              <a:cxn ang="0">
+                <a:pos x="connsiteX11" y="connsiteY11"/>
+              </a:cxn>
+              <a:cxn ang="0">
+                <a:pos x="connsiteX12" y="connsiteY12"/>
+              </a:cxn>
+              <a:cxn ang="0">
+                <a:pos x="connsiteX13" y="connsiteY13"/>
+              </a:cxn>
+              <a:cxn ang="0">
+                <a:pos x="connsiteX14" y="connsiteY14"/>
+              </a:cxn>
+              <a:cxn ang="0">
+                <a:pos x="connsiteX15" y="connsiteY15"/>
+              </a:cxn>
+              <a:cxn ang="0">
+                <a:pos x="connsiteX16" y="connsiteY16"/>
+              </a:cxn>
+            </a:cxnLst>
+            <a:rect l="l" t="t" r="r" b="b"/>
+            <a:pathLst>
+              <a:path w="3165618" h="517016" fill="none" extrusionOk="0">
+                <a:moveTo>
+                  <a:pt x="0" y="86171"/>
+                </a:moveTo>
+                <a:cubicBezTo>
+                  <a:pt x="9776" y="32860"/>
+                  <a:pt x="40836" y="-5693"/>
+                  <a:pt x="86171" y="0"/>
+                </a:cubicBezTo>
+                <a:cubicBezTo>
+                  <a:pt x="192451" y="-46313"/>
+                  <a:pt x="392013" y="18066"/>
+                  <a:pt x="595028" y="0"/>
+                </a:cubicBezTo>
+                <a:cubicBezTo>
+                  <a:pt x="798043" y="-18066"/>
+                  <a:pt x="897254" y="61603"/>
+                  <a:pt x="1133818" y="0"/>
+                </a:cubicBezTo>
+                <a:cubicBezTo>
+                  <a:pt x="1370382" y="-61603"/>
+                  <a:pt x="1504965" y="15089"/>
+                  <a:pt x="1642675" y="0"/>
+                </a:cubicBezTo>
+                <a:cubicBezTo>
+                  <a:pt x="1780385" y="-15089"/>
+                  <a:pt x="2029668" y="63660"/>
+                  <a:pt x="2271262" y="0"/>
+                </a:cubicBezTo>
+                <a:cubicBezTo>
+                  <a:pt x="2512856" y="-63660"/>
+                  <a:pt x="2789273" y="66044"/>
+                  <a:pt x="3079447" y="0"/>
+                </a:cubicBezTo>
+                <a:cubicBezTo>
+                  <a:pt x="3138924" y="947"/>
+                  <a:pt x="3176287" y="46956"/>
+                  <a:pt x="3165618" y="86171"/>
+                </a:cubicBezTo>
+                <a:cubicBezTo>
+                  <a:pt x="3199187" y="163757"/>
+                  <a:pt x="3124600" y="315167"/>
+                  <a:pt x="3165618" y="430845"/>
+                </a:cubicBezTo>
+                <a:cubicBezTo>
+                  <a:pt x="3175776" y="488192"/>
+                  <a:pt x="3123395" y="526084"/>
+                  <a:pt x="3079447" y="517016"/>
+                </a:cubicBezTo>
+                <a:cubicBezTo>
+                  <a:pt x="2941394" y="528662"/>
+                  <a:pt x="2745875" y="499086"/>
+                  <a:pt x="2540657" y="517016"/>
+                </a:cubicBezTo>
+                <a:cubicBezTo>
+                  <a:pt x="2335439" y="534946"/>
+                  <a:pt x="2192363" y="480835"/>
+                  <a:pt x="1971935" y="517016"/>
+                </a:cubicBezTo>
+                <a:cubicBezTo>
+                  <a:pt x="1751507" y="553197"/>
+                  <a:pt x="1670674" y="512098"/>
+                  <a:pt x="1373280" y="517016"/>
+                </a:cubicBezTo>
+                <a:cubicBezTo>
+                  <a:pt x="1075886" y="521934"/>
+                  <a:pt x="885554" y="463532"/>
+                  <a:pt x="744692" y="517016"/>
+                </a:cubicBezTo>
+                <a:cubicBezTo>
+                  <a:pt x="603830" y="570500"/>
+                  <a:pt x="322058" y="513770"/>
+                  <a:pt x="86171" y="517016"/>
+                </a:cubicBezTo>
+                <a:cubicBezTo>
+                  <a:pt x="38920" y="522770"/>
+                  <a:pt x="-3157" y="479624"/>
+                  <a:pt x="0" y="430845"/>
+                </a:cubicBezTo>
+                <a:cubicBezTo>
+                  <a:pt x="-9343" y="327478"/>
+                  <a:pt x="36974" y="155672"/>
+                  <a:pt x="0" y="86171"/>
+                </a:cubicBezTo>
+                <a:close/>
+              </a:path>
+              <a:path w="3165618" h="517016" stroke="0" extrusionOk="0">
+                <a:moveTo>
+                  <a:pt x="0" y="86171"/>
+                </a:moveTo>
+                <a:cubicBezTo>
+                  <a:pt x="-7830" y="35980"/>
+                  <a:pt x="41228" y="7626"/>
+                  <a:pt x="86171" y="0"/>
+                </a:cubicBezTo>
+                <a:cubicBezTo>
+                  <a:pt x="217557" y="-21651"/>
+                  <a:pt x="540978" y="33552"/>
+                  <a:pt x="654893" y="0"/>
+                </a:cubicBezTo>
+                <a:cubicBezTo>
+                  <a:pt x="768808" y="-33552"/>
+                  <a:pt x="1132297" y="7399"/>
+                  <a:pt x="1283481" y="0"/>
+                </a:cubicBezTo>
+                <a:cubicBezTo>
+                  <a:pt x="1434665" y="-7399"/>
+                  <a:pt x="1700406" y="14017"/>
+                  <a:pt x="1852204" y="0"/>
+                </a:cubicBezTo>
+                <a:cubicBezTo>
+                  <a:pt x="2004002" y="-14017"/>
+                  <a:pt x="2359272" y="64307"/>
+                  <a:pt x="2510725" y="0"/>
+                </a:cubicBezTo>
+                <a:cubicBezTo>
+                  <a:pt x="2662178" y="-64307"/>
+                  <a:pt x="2891708" y="57950"/>
+                  <a:pt x="3079447" y="0"/>
+                </a:cubicBezTo>
+                <a:cubicBezTo>
+                  <a:pt x="3117595" y="-4945"/>
+                  <a:pt x="3157596" y="44900"/>
+                  <a:pt x="3165618" y="86171"/>
+                </a:cubicBezTo>
+                <a:cubicBezTo>
+                  <a:pt x="3185691" y="156055"/>
+                  <a:pt x="3162406" y="308642"/>
+                  <a:pt x="3165618" y="430845"/>
+                </a:cubicBezTo>
+                <a:cubicBezTo>
+                  <a:pt x="3160900" y="480426"/>
+                  <a:pt x="3119321" y="518684"/>
+                  <a:pt x="3079447" y="517016"/>
+                </a:cubicBezTo>
+                <a:cubicBezTo>
+                  <a:pt x="2780981" y="547231"/>
+                  <a:pt x="2573876" y="463002"/>
+                  <a:pt x="2420926" y="517016"/>
+                </a:cubicBezTo>
+                <a:cubicBezTo>
+                  <a:pt x="2267976" y="571030"/>
+                  <a:pt x="2023889" y="458018"/>
+                  <a:pt x="1882137" y="517016"/>
+                </a:cubicBezTo>
+                <a:cubicBezTo>
+                  <a:pt x="1740385" y="576014"/>
+                  <a:pt x="1402119" y="503459"/>
+                  <a:pt x="1223616" y="517016"/>
+                </a:cubicBezTo>
+                <a:cubicBezTo>
+                  <a:pt x="1045113" y="530573"/>
+                  <a:pt x="442889" y="507482"/>
+                  <a:pt x="86171" y="517016"/>
+                </a:cubicBezTo>
+                <a:cubicBezTo>
+                  <a:pt x="40817" y="520853"/>
+                  <a:pt x="-4888" y="480797"/>
+                  <a:pt x="0" y="430845"/>
+                </a:cubicBezTo>
+                <a:cubicBezTo>
+                  <a:pt x="-13930" y="277045"/>
+                  <a:pt x="35370" y="211296"/>
+                  <a:pt x="0" y="86171"/>
+                </a:cubicBezTo>
+                <a:close/>
+              </a:path>
+            </a:pathLst>
+          </a:custGeom>
+          <a:solidFill>
+            <a:schemeClr val="accent4">
+              <a:lumMod val="40000"/>
+              <a:lumOff val="60000"/>
+            </a:schemeClr>
+          </a:solidFill>
+          <a:ln w="38100">
+            <a:solidFill>
+              <a:srgbClr val="0070C0"/>
+            </a:solidFill>
+            <a:prstDash val="dash"/>
+            <a:extLst>
+              <a:ext uri="{C807C97D-BFC1-408E-A445-0C87EB9F89A2}">
+                <ask:lineSketchStyleProps xmlns:ask="http://schemas.microsoft.com/office/drawing/2018/sketchyshapes" sd="3896661861">
+                  <a:prstGeom prst="roundRect">
+                    <a:avLst/>
+                  </a:prstGeom>
+                  <ask:type>
+                    <ask:lineSketchScribble/>
+                  </ask:type>
+                </ask:lineSketchStyleProps>
+              </a:ext>
+            </a:extLst>
+          </a:ln>
+        </p:spPr>
+        <p:style>
+          <a:lnRef idx="2">
+            <a:schemeClr val="accent1">
+              <a:shade val="50000"/>
+            </a:schemeClr>
+          </a:lnRef>
+          <a:fillRef idx="1">
+            <a:schemeClr val="accent1"/>
+          </a:fillRef>
+          <a:effectRef idx="0">
+            <a:schemeClr val="accent1"/>
+          </a:effectRef>
+          <a:fontRef idx="minor">
+            <a:schemeClr val="lt1"/>
+          </a:fontRef>
+        </p:style>
+        <p:txBody>
+          <a:bodyPr rtlCol="0" anchor="ctr"/>
+          <a:lstStyle/>
+          <a:p>
+            <a:pPr algn="ctr"/>
+            <a:r>
+              <a:rPr lang="ko-KR" altLang="en-US" dirty="0">
+                <a:ln w="0"/>
+                <a:solidFill>
+                  <a:schemeClr val="tx1"/>
+                </a:solidFill>
+                <a:effectLst>
+                  <a:outerShdw blurRad="38100" dist="19050" dir="2700000" algn="tl" rotWithShape="0">
+                    <a:schemeClr val="dk1">
+                      <a:alpha val="40000"/>
+                    </a:schemeClr>
+                  </a:outerShdw>
+                </a:effectLst>
+              </a:rPr>
+              <a:t>이렇게 코드로 </a:t>
+            </a:r>
+            <a:r>
+              <a:rPr lang="en-US" altLang="ko-KR" dirty="0">
+                <a:ln w="0"/>
+                <a:solidFill>
+                  <a:schemeClr val="tx1"/>
+                </a:solidFill>
+                <a:effectLst>
+                  <a:outerShdw blurRad="38100" dist="19050" dir="2700000" algn="tl" rotWithShape="0">
+                    <a:schemeClr val="dk1">
+                      <a:alpha val="40000"/>
+                    </a:schemeClr>
+                  </a:outerShdw>
+                </a:effectLst>
+              </a:rPr>
+              <a:t>install </a:t>
+            </a:r>
+            <a:r>
+              <a:rPr lang="ko-KR" altLang="en-US" dirty="0">
+                <a:ln w="0"/>
+                <a:solidFill>
+                  <a:schemeClr val="tx1"/>
+                </a:solidFill>
+                <a:effectLst>
+                  <a:outerShdw blurRad="38100" dist="19050" dir="2700000" algn="tl" rotWithShape="0">
+                    <a:schemeClr val="dk1">
+                      <a:alpha val="40000"/>
+                    </a:schemeClr>
+                  </a:outerShdw>
+                </a:effectLst>
+              </a:rPr>
+              <a:t>가능</a:t>
+            </a:r>
+            <a:endParaRPr lang="en-US" altLang="ko-KR" dirty="0">
+              <a:ln w="0"/>
+              <a:solidFill>
+                <a:schemeClr val="tx1"/>
+              </a:solidFill>
+              <a:effectLst>
+                <a:outerShdw blurRad="38100" dist="19050" dir="2700000" algn="tl" rotWithShape="0">
+                  <a:schemeClr val="dk1">
+                    <a:alpha val="40000"/>
+                  </a:schemeClr>
+                </a:outerShdw>
+              </a:effectLst>
+            </a:endParaRPr>
+          </a:p>
+          <a:p>
+            <a:r>
+              <a:rPr lang="en-US" altLang="ko-KR" sz="1400" dirty="0">
+                <a:ln w="0"/>
+                <a:solidFill>
+                  <a:schemeClr val="tx1"/>
+                </a:solidFill>
+                <a:effectLst>
+                  <a:outerShdw blurRad="38100" dist="19050" dir="2700000" algn="tl" rotWithShape="0">
+                    <a:schemeClr val="dk1">
+                      <a:alpha val="40000"/>
+                    </a:schemeClr>
+                  </a:outerShdw>
+                </a:effectLst>
+              </a:rPr>
+              <a:t>- </a:t>
+            </a:r>
+            <a:r>
+              <a:rPr lang="ko-KR" altLang="en-US" sz="1400" dirty="0">
+                <a:ln w="0"/>
+                <a:solidFill>
+                  <a:schemeClr val="tx1"/>
+                </a:solidFill>
+                <a:effectLst>
+                  <a:outerShdw blurRad="38100" dist="19050" dir="2700000" algn="tl" rotWithShape="0">
+                    <a:schemeClr val="dk1">
+                      <a:alpha val="40000"/>
+                    </a:schemeClr>
+                  </a:outerShdw>
+                </a:effectLst>
+              </a:rPr>
+              <a:t>한 번만 수행 </a:t>
+            </a:r>
+            <a:r>
+              <a:rPr lang="ko-KR" altLang="en-US" sz="1400" dirty="0" err="1">
+                <a:ln w="0"/>
+                <a:solidFill>
+                  <a:schemeClr val="tx1"/>
+                </a:solidFill>
+                <a:effectLst>
+                  <a:outerShdw blurRad="38100" dist="19050" dir="2700000" algn="tl" rotWithShape="0">
+                    <a:schemeClr val="dk1">
+                      <a:alpha val="40000"/>
+                    </a:schemeClr>
+                  </a:outerShdw>
+                </a:effectLst>
+              </a:rPr>
+              <a:t>시켜야됨</a:t>
+            </a:r>
+            <a:endParaRPr lang="ko-KR" altLang="en-US" sz="1400" dirty="0"/>
           </a:p>
         </p:txBody>
       </p:sp>
@@ -3503,6 +3960,86 @@
     <p:extLst>
       <p:ext uri="{BB962C8B-B14F-4D97-AF65-F5344CB8AC3E}">
         <p14:creationId xmlns:p14="http://schemas.microsoft.com/office/powerpoint/2010/main" val="1709197741"/>
+      </p:ext>
+    </p:extLst>
+  </p:cSld>
+  <p:clrMapOvr>
+    <a:masterClrMapping/>
+  </p:clrMapOvr>
+</p:sld>
+</file>
+
+<file path=ppt/slides/slide11.xml><?xml version="1.0" encoding="utf-8"?>
+<p:sld xmlns:a="http://schemas.openxmlformats.org/drawingml/2006/main" xmlns:r="http://schemas.openxmlformats.org/officeDocument/2006/relationships" xmlns:p="http://schemas.openxmlformats.org/presentationml/2006/main">
+  <p:cSld>
+    <p:spTree>
+      <p:nvGrpSpPr>
+        <p:cNvPr id="1" name=""/>
+        <p:cNvGrpSpPr/>
+        <p:nvPr/>
+      </p:nvGrpSpPr>
+      <p:grpSpPr>
+        <a:xfrm>
+          <a:off x="0" y="0"/>
+          <a:ext cx="0" cy="0"/>
+          <a:chOff x="0" y="0"/>
+          <a:chExt cx="0" cy="0"/>
+        </a:xfrm>
+      </p:grpSpPr>
+      <p:sp>
+        <p:nvSpPr>
+          <p:cNvPr id="2" name="제목 1">
+            <a:extLst>
+              <a:ext uri="{FF2B5EF4-FFF2-40B4-BE49-F238E27FC236}">
+                <a16:creationId xmlns:a16="http://schemas.microsoft.com/office/drawing/2014/main" id="{ACCFBC6F-9EB7-4423-98ED-567619DC3381}"/>
+              </a:ext>
+            </a:extLst>
+          </p:cNvPr>
+          <p:cNvSpPr>
+            <a:spLocks noGrp="1"/>
+          </p:cNvSpPr>
+          <p:nvPr>
+            <p:ph type="title"/>
+          </p:nvPr>
+        </p:nvSpPr>
+        <p:spPr/>
+        <p:txBody>
+          <a:bodyPr/>
+          <a:lstStyle/>
+          <a:p>
+            <a:endParaRPr lang="ko-KR" altLang="en-US"/>
+          </a:p>
+        </p:txBody>
+      </p:sp>
+      <p:sp>
+        <p:nvSpPr>
+          <p:cNvPr id="3" name="내용 개체 틀 2">
+            <a:extLst>
+              <a:ext uri="{FF2B5EF4-FFF2-40B4-BE49-F238E27FC236}">
+                <a16:creationId xmlns:a16="http://schemas.microsoft.com/office/drawing/2014/main" id="{70DA6F9D-B7BC-40E3-A6E3-64ECFAC75AAC}"/>
+              </a:ext>
+            </a:extLst>
+          </p:cNvPr>
+          <p:cNvSpPr>
+            <a:spLocks noGrp="1"/>
+          </p:cNvSpPr>
+          <p:nvPr>
+            <p:ph idx="1"/>
+          </p:nvPr>
+        </p:nvSpPr>
+        <p:spPr/>
+        <p:txBody>
+          <a:bodyPr/>
+          <a:lstStyle/>
+          <a:p>
+            <a:endParaRPr lang="ko-KR" altLang="en-US"/>
+          </a:p>
+        </p:txBody>
+      </p:sp>
+    </p:spTree>
+    <p:extLst>
+      <p:ext uri="{BB962C8B-B14F-4D97-AF65-F5344CB8AC3E}">
+        <p14:creationId xmlns:p14="http://schemas.microsoft.com/office/powerpoint/2010/main" val="3845695082"/>
       </p:ext>
     </p:extLst>
   </p:cSld>

--- a/TensorFlow Beginner 공부.pptx
+++ b/TensorFlow Beginner 공부.pptx
@@ -15,7 +15,8 @@
     <p:sldId id="263" r:id="rId9"/>
     <p:sldId id="264" r:id="rId10"/>
     <p:sldId id="265" r:id="rId11"/>
-    <p:sldId id="266" r:id="rId12"/>
+    <p:sldId id="267" r:id="rId12"/>
+    <p:sldId id="266" r:id="rId13"/>
   </p:sldIdLst>
   <p:sldSz cx="12192000" cy="6858000"/>
   <p:notesSz cx="6858000" cy="9144000"/>
@@ -269,7 +270,7 @@
           <a:p>
             <a:fld id="{C9FAC590-CD03-4791-BB02-6AE3E7057554}" type="datetimeFigureOut">
               <a:rPr lang="ko-KR" altLang="en-US" smtClean="0"/>
-              <a:t>2020-07-03</a:t>
+              <a:t>2020-07-09</a:t>
             </a:fld>
             <a:endParaRPr lang="ko-KR" altLang="en-US"/>
           </a:p>
@@ -467,7 +468,7 @@
           <a:p>
             <a:fld id="{C9FAC590-CD03-4791-BB02-6AE3E7057554}" type="datetimeFigureOut">
               <a:rPr lang="ko-KR" altLang="en-US" smtClean="0"/>
-              <a:t>2020-07-03</a:t>
+              <a:t>2020-07-09</a:t>
             </a:fld>
             <a:endParaRPr lang="ko-KR" altLang="en-US"/>
           </a:p>
@@ -675,7 +676,7 @@
           <a:p>
             <a:fld id="{C9FAC590-CD03-4791-BB02-6AE3E7057554}" type="datetimeFigureOut">
               <a:rPr lang="ko-KR" altLang="en-US" smtClean="0"/>
-              <a:t>2020-07-03</a:t>
+              <a:t>2020-07-09</a:t>
             </a:fld>
             <a:endParaRPr lang="ko-KR" altLang="en-US"/>
           </a:p>
@@ -873,7 +874,7 @@
           <a:p>
             <a:fld id="{C9FAC590-CD03-4791-BB02-6AE3E7057554}" type="datetimeFigureOut">
               <a:rPr lang="ko-KR" altLang="en-US" smtClean="0"/>
-              <a:t>2020-07-03</a:t>
+              <a:t>2020-07-09</a:t>
             </a:fld>
             <a:endParaRPr lang="ko-KR" altLang="en-US"/>
           </a:p>
@@ -1148,7 +1149,7 @@
           <a:p>
             <a:fld id="{C9FAC590-CD03-4791-BB02-6AE3E7057554}" type="datetimeFigureOut">
               <a:rPr lang="ko-KR" altLang="en-US" smtClean="0"/>
-              <a:t>2020-07-03</a:t>
+              <a:t>2020-07-09</a:t>
             </a:fld>
             <a:endParaRPr lang="ko-KR" altLang="en-US"/>
           </a:p>
@@ -1413,7 +1414,7 @@
           <a:p>
             <a:fld id="{C9FAC590-CD03-4791-BB02-6AE3E7057554}" type="datetimeFigureOut">
               <a:rPr lang="ko-KR" altLang="en-US" smtClean="0"/>
-              <a:t>2020-07-03</a:t>
+              <a:t>2020-07-09</a:t>
             </a:fld>
             <a:endParaRPr lang="ko-KR" altLang="en-US"/>
           </a:p>
@@ -1825,7 +1826,7 @@
           <a:p>
             <a:fld id="{C9FAC590-CD03-4791-BB02-6AE3E7057554}" type="datetimeFigureOut">
               <a:rPr lang="ko-KR" altLang="en-US" smtClean="0"/>
-              <a:t>2020-07-03</a:t>
+              <a:t>2020-07-09</a:t>
             </a:fld>
             <a:endParaRPr lang="ko-KR" altLang="en-US"/>
           </a:p>
@@ -1966,7 +1967,7 @@
           <a:p>
             <a:fld id="{C9FAC590-CD03-4791-BB02-6AE3E7057554}" type="datetimeFigureOut">
               <a:rPr lang="ko-KR" altLang="en-US" smtClean="0"/>
-              <a:t>2020-07-03</a:t>
+              <a:t>2020-07-09</a:t>
             </a:fld>
             <a:endParaRPr lang="ko-KR" altLang="en-US"/>
           </a:p>
@@ -2079,7 +2080,7 @@
           <a:p>
             <a:fld id="{C9FAC590-CD03-4791-BB02-6AE3E7057554}" type="datetimeFigureOut">
               <a:rPr lang="ko-KR" altLang="en-US" smtClean="0"/>
-              <a:t>2020-07-03</a:t>
+              <a:t>2020-07-09</a:t>
             </a:fld>
             <a:endParaRPr lang="ko-KR" altLang="en-US"/>
           </a:p>
@@ -2390,7 +2391,7 @@
           <a:p>
             <a:fld id="{C9FAC590-CD03-4791-BB02-6AE3E7057554}" type="datetimeFigureOut">
               <a:rPr lang="ko-KR" altLang="en-US" smtClean="0"/>
-              <a:t>2020-07-03</a:t>
+              <a:t>2020-07-09</a:t>
             </a:fld>
             <a:endParaRPr lang="ko-KR" altLang="en-US"/>
           </a:p>
@@ -2678,7 +2679,7 @@
           <a:p>
             <a:fld id="{C9FAC590-CD03-4791-BB02-6AE3E7057554}" type="datetimeFigureOut">
               <a:rPr lang="ko-KR" altLang="en-US" smtClean="0"/>
-              <a:t>2020-07-03</a:t>
+              <a:t>2020-07-09</a:t>
             </a:fld>
             <a:endParaRPr lang="ko-KR" altLang="en-US"/>
           </a:p>
@@ -2919,7 +2920,7 @@
           <a:p>
             <a:fld id="{C9FAC590-CD03-4791-BB02-6AE3E7057554}" type="datetimeFigureOut">
               <a:rPr lang="ko-KR" altLang="en-US" smtClean="0"/>
-              <a:t>2020-07-03</a:t>
+              <a:t>2020-07-09</a:t>
             </a:fld>
             <a:endParaRPr lang="ko-KR" altLang="en-US"/>
           </a:p>
@@ -3991,6 +3992,90 @@
           <p:cNvPr id="2" name="제목 1">
             <a:extLst>
               <a:ext uri="{FF2B5EF4-FFF2-40B4-BE49-F238E27FC236}">
+                <a16:creationId xmlns:a16="http://schemas.microsoft.com/office/drawing/2014/main" id="{C13B2E16-1A8C-4687-8909-D7387CABBE17}"/>
+              </a:ext>
+            </a:extLst>
+          </p:cNvPr>
+          <p:cNvSpPr>
+            <a:spLocks noGrp="1"/>
+          </p:cNvSpPr>
+          <p:nvPr>
+            <p:ph type="title"/>
+          </p:nvPr>
+        </p:nvSpPr>
+        <p:spPr/>
+        <p:txBody>
+          <a:bodyPr/>
+          <a:lstStyle/>
+          <a:p>
+            <a:r>
+              <a:rPr lang="en-US" altLang="ko-KR" dirty="0"/>
+              <a:t>Questions </a:t>
+            </a:r>
+            <a:endParaRPr lang="ko-KR" altLang="en-US" dirty="0"/>
+          </a:p>
+        </p:txBody>
+      </p:sp>
+      <p:sp>
+        <p:nvSpPr>
+          <p:cNvPr id="3" name="텍스트 개체 틀 2">
+            <a:extLst>
+              <a:ext uri="{FF2B5EF4-FFF2-40B4-BE49-F238E27FC236}">
+                <a16:creationId xmlns:a16="http://schemas.microsoft.com/office/drawing/2014/main" id="{0929780B-56A6-4535-A647-D694874D7AA2}"/>
+              </a:ext>
+            </a:extLst>
+          </p:cNvPr>
+          <p:cNvSpPr>
+            <a:spLocks noGrp="1"/>
+          </p:cNvSpPr>
+          <p:nvPr>
+            <p:ph type="body" idx="1"/>
+          </p:nvPr>
+        </p:nvSpPr>
+        <p:spPr/>
+        <p:txBody>
+          <a:bodyPr/>
+          <a:lstStyle/>
+          <a:p>
+            <a:endParaRPr lang="ko-KR" altLang="en-US" dirty="0"/>
+          </a:p>
+        </p:txBody>
+      </p:sp>
+    </p:spTree>
+    <p:extLst>
+      <p:ext uri="{BB962C8B-B14F-4D97-AF65-F5344CB8AC3E}">
+        <p14:creationId xmlns:p14="http://schemas.microsoft.com/office/powerpoint/2010/main" val="1612967878"/>
+      </p:ext>
+    </p:extLst>
+  </p:cSld>
+  <p:clrMapOvr>
+    <a:masterClrMapping/>
+  </p:clrMapOvr>
+</p:sld>
+</file>
+
+<file path=ppt/slides/slide12.xml><?xml version="1.0" encoding="utf-8"?>
+<p:sld xmlns:a="http://schemas.openxmlformats.org/drawingml/2006/main" xmlns:r="http://schemas.openxmlformats.org/officeDocument/2006/relationships" xmlns:p="http://schemas.openxmlformats.org/presentationml/2006/main">
+  <p:cSld>
+    <p:spTree>
+      <p:nvGrpSpPr>
+        <p:cNvPr id="1" name=""/>
+        <p:cNvGrpSpPr/>
+        <p:nvPr/>
+      </p:nvGrpSpPr>
+      <p:grpSpPr>
+        <a:xfrm>
+          <a:off x="0" y="0"/>
+          <a:ext cx="0" cy="0"/>
+          <a:chOff x="0" y="0"/>
+          <a:chExt cx="0" cy="0"/>
+        </a:xfrm>
+      </p:grpSpPr>
+      <p:sp>
+        <p:nvSpPr>
+          <p:cNvPr id="2" name="제목 1">
+            <a:extLst>
+              <a:ext uri="{FF2B5EF4-FFF2-40B4-BE49-F238E27FC236}">
                 <a16:creationId xmlns:a16="http://schemas.microsoft.com/office/drawing/2014/main" id="{ACCFBC6F-9EB7-4423-98ED-567619DC3381}"/>
               </a:ext>
             </a:extLst>
@@ -4007,35 +4092,80 @@
           <a:bodyPr/>
           <a:lstStyle/>
           <a:p>
-            <a:endParaRPr lang="ko-KR" altLang="en-US"/>
-          </a:p>
-        </p:txBody>
-      </p:sp>
-      <p:sp>
-        <p:nvSpPr>
-          <p:cNvPr id="3" name="내용 개체 틀 2">
-            <a:extLst>
-              <a:ext uri="{FF2B5EF4-FFF2-40B4-BE49-F238E27FC236}">
-                <a16:creationId xmlns:a16="http://schemas.microsoft.com/office/drawing/2014/main" id="{70DA6F9D-B7BC-40E3-A6E3-64ECFAC75AAC}"/>
-              </a:ext>
-            </a:extLst>
-          </p:cNvPr>
-          <p:cNvSpPr>
-            <a:spLocks noGrp="1"/>
-          </p:cNvSpPr>
+            <a:r>
+              <a:rPr lang="en-US" altLang="ko-KR" dirty="0"/>
+              <a:t>Dropout / </a:t>
+            </a:r>
+            <a:r>
+              <a:rPr lang="en-US" altLang="ko-KR" dirty="0" err="1"/>
+              <a:t>recurrent_dropout</a:t>
+            </a:r>
+            <a:endParaRPr lang="ko-KR" altLang="en-US" dirty="0"/>
+          </a:p>
+        </p:txBody>
+      </p:sp>
+      <p:pic>
+        <p:nvPicPr>
+          <p:cNvPr id="4" name="내용 개체 틀 3">
+            <a:extLst>
+              <a:ext uri="{FF2B5EF4-FFF2-40B4-BE49-F238E27FC236}">
+                <a16:creationId xmlns:a16="http://schemas.microsoft.com/office/drawing/2014/main" id="{CE16B0C4-3B7C-434B-9095-5220B56D2C52}"/>
+              </a:ext>
+            </a:extLst>
+          </p:cNvPr>
+          <p:cNvPicPr>
+            <a:picLocks noGrp="1" noChangeAspect="1"/>
+          </p:cNvPicPr>
           <p:nvPr>
             <p:ph idx="1"/>
           </p:nvPr>
-        </p:nvSpPr>
-        <p:spPr/>
-        <p:txBody>
-          <a:bodyPr/>
-          <a:lstStyle/>
-          <a:p>
-            <a:endParaRPr lang="ko-KR" altLang="en-US"/>
-          </a:p>
-        </p:txBody>
-      </p:sp>
+        </p:nvPicPr>
+        <p:blipFill>
+          <a:blip r:embed="rId2"/>
+          <a:stretch>
+            <a:fillRect/>
+          </a:stretch>
+        </p:blipFill>
+        <p:spPr>
+          <a:xfrm>
+            <a:off x="838200" y="2013671"/>
+            <a:ext cx="6638925" cy="904875"/>
+          </a:xfrm>
+          <a:prstGeom prst="rect">
+            <a:avLst/>
+          </a:prstGeom>
+        </p:spPr>
+      </p:pic>
+      <p:pic>
+        <p:nvPicPr>
+          <p:cNvPr id="5" name="그림 4">
+            <a:extLst>
+              <a:ext uri="{FF2B5EF4-FFF2-40B4-BE49-F238E27FC236}">
+                <a16:creationId xmlns:a16="http://schemas.microsoft.com/office/drawing/2014/main" id="{987B5623-218F-4972-9DBE-DAA31F4A09B0}"/>
+              </a:ext>
+            </a:extLst>
+          </p:cNvPr>
+          <p:cNvPicPr>
+            <a:picLocks noChangeAspect="1"/>
+          </p:cNvPicPr>
+          <p:nvPr/>
+        </p:nvPicPr>
+        <p:blipFill>
+          <a:blip r:embed="rId3"/>
+          <a:stretch>
+            <a:fillRect/>
+          </a:stretch>
+        </p:blipFill>
+        <p:spPr>
+          <a:xfrm>
+            <a:off x="838200" y="3241529"/>
+            <a:ext cx="6638925" cy="1087320"/>
+          </a:xfrm>
+          <a:prstGeom prst="rect">
+            <a:avLst/>
+          </a:prstGeom>
+        </p:spPr>
+      </p:pic>
     </p:spTree>
     <p:extLst>
       <p:ext uri="{BB962C8B-B14F-4D97-AF65-F5344CB8AC3E}">

--- a/TensorFlow Beginner 공부.pptx
+++ b/TensorFlow Beginner 공부.pptx
@@ -17,6 +17,15 @@
     <p:sldId id="265" r:id="rId11"/>
     <p:sldId id="267" r:id="rId12"/>
     <p:sldId id="266" r:id="rId13"/>
+    <p:sldId id="268" r:id="rId14"/>
+    <p:sldId id="269" r:id="rId15"/>
+    <p:sldId id="270" r:id="rId16"/>
+    <p:sldId id="271" r:id="rId17"/>
+    <p:sldId id="272" r:id="rId18"/>
+    <p:sldId id="273" r:id="rId19"/>
+    <p:sldId id="275" r:id="rId20"/>
+    <p:sldId id="274" r:id="rId21"/>
+    <p:sldId id="276" r:id="rId22"/>
   </p:sldIdLst>
   <p:sldSz cx="12192000" cy="6858000"/>
   <p:notesSz cx="6858000" cy="9144000"/>
@@ -270,7 +279,7 @@
           <a:p>
             <a:fld id="{C9FAC590-CD03-4791-BB02-6AE3E7057554}" type="datetimeFigureOut">
               <a:rPr lang="ko-KR" altLang="en-US" smtClean="0"/>
-              <a:t>2020-07-09</a:t>
+              <a:t>2020-07-10</a:t>
             </a:fld>
             <a:endParaRPr lang="ko-KR" altLang="en-US"/>
           </a:p>
@@ -468,7 +477,7 @@
           <a:p>
             <a:fld id="{C9FAC590-CD03-4791-BB02-6AE3E7057554}" type="datetimeFigureOut">
               <a:rPr lang="ko-KR" altLang="en-US" smtClean="0"/>
-              <a:t>2020-07-09</a:t>
+              <a:t>2020-07-10</a:t>
             </a:fld>
             <a:endParaRPr lang="ko-KR" altLang="en-US"/>
           </a:p>
@@ -676,7 +685,7 @@
           <a:p>
             <a:fld id="{C9FAC590-CD03-4791-BB02-6AE3E7057554}" type="datetimeFigureOut">
               <a:rPr lang="ko-KR" altLang="en-US" smtClean="0"/>
-              <a:t>2020-07-09</a:t>
+              <a:t>2020-07-10</a:t>
             </a:fld>
             <a:endParaRPr lang="ko-KR" altLang="en-US"/>
           </a:p>
@@ -874,7 +883,7 @@
           <a:p>
             <a:fld id="{C9FAC590-CD03-4791-BB02-6AE3E7057554}" type="datetimeFigureOut">
               <a:rPr lang="ko-KR" altLang="en-US" smtClean="0"/>
-              <a:t>2020-07-09</a:t>
+              <a:t>2020-07-10</a:t>
             </a:fld>
             <a:endParaRPr lang="ko-KR" altLang="en-US"/>
           </a:p>
@@ -1149,7 +1158,7 @@
           <a:p>
             <a:fld id="{C9FAC590-CD03-4791-BB02-6AE3E7057554}" type="datetimeFigureOut">
               <a:rPr lang="ko-KR" altLang="en-US" smtClean="0"/>
-              <a:t>2020-07-09</a:t>
+              <a:t>2020-07-10</a:t>
             </a:fld>
             <a:endParaRPr lang="ko-KR" altLang="en-US"/>
           </a:p>
@@ -1414,7 +1423,7 @@
           <a:p>
             <a:fld id="{C9FAC590-CD03-4791-BB02-6AE3E7057554}" type="datetimeFigureOut">
               <a:rPr lang="ko-KR" altLang="en-US" smtClean="0"/>
-              <a:t>2020-07-09</a:t>
+              <a:t>2020-07-10</a:t>
             </a:fld>
             <a:endParaRPr lang="ko-KR" altLang="en-US"/>
           </a:p>
@@ -1826,7 +1835,7 @@
           <a:p>
             <a:fld id="{C9FAC590-CD03-4791-BB02-6AE3E7057554}" type="datetimeFigureOut">
               <a:rPr lang="ko-KR" altLang="en-US" smtClean="0"/>
-              <a:t>2020-07-09</a:t>
+              <a:t>2020-07-10</a:t>
             </a:fld>
             <a:endParaRPr lang="ko-KR" altLang="en-US"/>
           </a:p>
@@ -1967,7 +1976,7 @@
           <a:p>
             <a:fld id="{C9FAC590-CD03-4791-BB02-6AE3E7057554}" type="datetimeFigureOut">
               <a:rPr lang="ko-KR" altLang="en-US" smtClean="0"/>
-              <a:t>2020-07-09</a:t>
+              <a:t>2020-07-10</a:t>
             </a:fld>
             <a:endParaRPr lang="ko-KR" altLang="en-US"/>
           </a:p>
@@ -2080,7 +2089,7 @@
           <a:p>
             <a:fld id="{C9FAC590-CD03-4791-BB02-6AE3E7057554}" type="datetimeFigureOut">
               <a:rPr lang="ko-KR" altLang="en-US" smtClean="0"/>
-              <a:t>2020-07-09</a:t>
+              <a:t>2020-07-10</a:t>
             </a:fld>
             <a:endParaRPr lang="ko-KR" altLang="en-US"/>
           </a:p>
@@ -2391,7 +2400,7 @@
           <a:p>
             <a:fld id="{C9FAC590-CD03-4791-BB02-6AE3E7057554}" type="datetimeFigureOut">
               <a:rPr lang="ko-KR" altLang="en-US" smtClean="0"/>
-              <a:t>2020-07-09</a:t>
+              <a:t>2020-07-10</a:t>
             </a:fld>
             <a:endParaRPr lang="ko-KR" altLang="en-US"/>
           </a:p>
@@ -2679,7 +2688,7 @@
           <a:p>
             <a:fld id="{C9FAC590-CD03-4791-BB02-6AE3E7057554}" type="datetimeFigureOut">
               <a:rPr lang="ko-KR" altLang="en-US" smtClean="0"/>
-              <a:t>2020-07-09</a:t>
+              <a:t>2020-07-10</a:t>
             </a:fld>
             <a:endParaRPr lang="ko-KR" altLang="en-US"/>
           </a:p>
@@ -2920,7 +2929,7 @@
           <a:p>
             <a:fld id="{C9FAC590-CD03-4791-BB02-6AE3E7057554}" type="datetimeFigureOut">
               <a:rPr lang="ko-KR" altLang="en-US" smtClean="0"/>
-              <a:t>2020-07-09</a:t>
+              <a:t>2020-07-10</a:t>
             </a:fld>
             <a:endParaRPr lang="ko-KR" altLang="en-US"/>
           </a:p>
@@ -4179,6 +4188,1451 @@
 </p:sld>
 </file>
 
+<file path=ppt/slides/slide13.xml><?xml version="1.0" encoding="utf-8"?>
+<p:sld xmlns:a="http://schemas.openxmlformats.org/drawingml/2006/main" xmlns:r="http://schemas.openxmlformats.org/officeDocument/2006/relationships" xmlns:p="http://schemas.openxmlformats.org/presentationml/2006/main">
+  <p:cSld>
+    <p:spTree>
+      <p:nvGrpSpPr>
+        <p:cNvPr id="1" name=""/>
+        <p:cNvGrpSpPr/>
+        <p:nvPr/>
+      </p:nvGrpSpPr>
+      <p:grpSpPr>
+        <a:xfrm>
+          <a:off x="0" y="0"/>
+          <a:ext cx="0" cy="0"/>
+          <a:chOff x="0" y="0"/>
+          <a:chExt cx="0" cy="0"/>
+        </a:xfrm>
+      </p:grpSpPr>
+      <p:sp>
+        <p:nvSpPr>
+          <p:cNvPr id="2" name="제목 1">
+            <a:extLst>
+              <a:ext uri="{FF2B5EF4-FFF2-40B4-BE49-F238E27FC236}">
+                <a16:creationId xmlns:a16="http://schemas.microsoft.com/office/drawing/2014/main" id="{E3C94F4F-FDC9-438C-835D-F5CCE83431B2}"/>
+              </a:ext>
+            </a:extLst>
+          </p:cNvPr>
+          <p:cNvSpPr>
+            <a:spLocks noGrp="1"/>
+          </p:cNvSpPr>
+          <p:nvPr>
+            <p:ph type="title"/>
+          </p:nvPr>
+        </p:nvSpPr>
+        <p:spPr/>
+        <p:txBody>
+          <a:bodyPr/>
+          <a:lstStyle/>
+          <a:p>
+            <a:r>
+              <a:rPr lang="ko-KR" altLang="en-US" dirty="0"/>
+              <a:t>함수형 </a:t>
+            </a:r>
+            <a:r>
+              <a:rPr lang="en-US" altLang="ko-KR" dirty="0"/>
+              <a:t>/ Add</a:t>
+            </a:r>
+            <a:r>
+              <a:rPr lang="ko-KR" altLang="en-US" dirty="0"/>
+              <a:t>형 </a:t>
+            </a:r>
+          </a:p>
+        </p:txBody>
+      </p:sp>
+      <p:sp>
+        <p:nvSpPr>
+          <p:cNvPr id="3" name="내용 개체 틀 2">
+            <a:extLst>
+              <a:ext uri="{FF2B5EF4-FFF2-40B4-BE49-F238E27FC236}">
+                <a16:creationId xmlns:a16="http://schemas.microsoft.com/office/drawing/2014/main" id="{85C17A42-2037-462F-92DF-BD982D292493}"/>
+              </a:ext>
+            </a:extLst>
+          </p:cNvPr>
+          <p:cNvSpPr>
+            <a:spLocks noGrp="1"/>
+          </p:cNvSpPr>
+          <p:nvPr>
+            <p:ph idx="1"/>
+          </p:nvPr>
+        </p:nvSpPr>
+        <p:spPr/>
+        <p:txBody>
+          <a:bodyPr/>
+          <a:lstStyle/>
+          <a:p>
+            <a:endParaRPr lang="ko-KR" altLang="en-US"/>
+          </a:p>
+        </p:txBody>
+      </p:sp>
+    </p:spTree>
+    <p:extLst>
+      <p:ext uri="{BB962C8B-B14F-4D97-AF65-F5344CB8AC3E}">
+        <p14:creationId xmlns:p14="http://schemas.microsoft.com/office/powerpoint/2010/main" val="2513957550"/>
+      </p:ext>
+    </p:extLst>
+  </p:cSld>
+  <p:clrMapOvr>
+    <a:masterClrMapping/>
+  </p:clrMapOvr>
+</p:sld>
+</file>
+
+<file path=ppt/slides/slide14.xml><?xml version="1.0" encoding="utf-8"?>
+<p:sld xmlns:a="http://schemas.openxmlformats.org/drawingml/2006/main" xmlns:r="http://schemas.openxmlformats.org/officeDocument/2006/relationships" xmlns:p="http://schemas.openxmlformats.org/presentationml/2006/main">
+  <p:cSld>
+    <p:spTree>
+      <p:nvGrpSpPr>
+        <p:cNvPr id="1" name=""/>
+        <p:cNvGrpSpPr/>
+        <p:nvPr/>
+      </p:nvGrpSpPr>
+      <p:grpSpPr>
+        <a:xfrm>
+          <a:off x="0" y="0"/>
+          <a:ext cx="0" cy="0"/>
+          <a:chOff x="0" y="0"/>
+          <a:chExt cx="0" cy="0"/>
+        </a:xfrm>
+      </p:grpSpPr>
+      <p:sp>
+        <p:nvSpPr>
+          <p:cNvPr id="2" name="제목 1">
+            <a:extLst>
+              <a:ext uri="{FF2B5EF4-FFF2-40B4-BE49-F238E27FC236}">
+                <a16:creationId xmlns:a16="http://schemas.microsoft.com/office/drawing/2014/main" id="{3BDC73AA-6308-47DC-BD8A-3CBAFD8B286B}"/>
+              </a:ext>
+            </a:extLst>
+          </p:cNvPr>
+          <p:cNvSpPr>
+            <a:spLocks noGrp="1"/>
+          </p:cNvSpPr>
+          <p:nvPr>
+            <p:ph type="title"/>
+          </p:nvPr>
+        </p:nvSpPr>
+        <p:spPr/>
+        <p:txBody>
+          <a:bodyPr/>
+          <a:lstStyle/>
+          <a:p>
+            <a:endParaRPr lang="ko-KR" altLang="en-US"/>
+          </a:p>
+        </p:txBody>
+      </p:sp>
+      <p:sp>
+        <p:nvSpPr>
+          <p:cNvPr id="3" name="내용 개체 틀 2">
+            <a:extLst>
+              <a:ext uri="{FF2B5EF4-FFF2-40B4-BE49-F238E27FC236}">
+                <a16:creationId xmlns:a16="http://schemas.microsoft.com/office/drawing/2014/main" id="{4404369C-1C18-45A4-A7C2-6AE252CB915B}"/>
+              </a:ext>
+            </a:extLst>
+          </p:cNvPr>
+          <p:cNvSpPr>
+            <a:spLocks noGrp="1"/>
+          </p:cNvSpPr>
+          <p:nvPr>
+            <p:ph idx="1"/>
+          </p:nvPr>
+        </p:nvSpPr>
+        <p:spPr/>
+        <p:txBody>
+          <a:bodyPr>
+            <a:normAutofit/>
+          </a:bodyPr>
+          <a:lstStyle/>
+          <a:p>
+            <a:pPr>
+              <a:lnSpc>
+                <a:spcPct val="100000"/>
+              </a:lnSpc>
+            </a:pPr>
+            <a:r>
+              <a:rPr lang="en-US" altLang="ko-KR" sz="2000" dirty="0">
+                <a:solidFill>
+                  <a:srgbClr val="000000"/>
+                </a:solidFill>
+                <a:latin typeface="Consolas" panose="020B0609020204030204" pitchFamily="49" charset="0"/>
+              </a:rPr>
+              <a:t>tokenizer = Tokenizer(</a:t>
+            </a:r>
+            <a:r>
+              <a:rPr lang="en-US" altLang="ko-KR" sz="2000" dirty="0" err="1">
+                <a:solidFill>
+                  <a:srgbClr val="000000"/>
+                </a:solidFill>
+                <a:latin typeface="Consolas" panose="020B0609020204030204" pitchFamily="49" charset="0"/>
+              </a:rPr>
+              <a:t>num_words</a:t>
+            </a:r>
+            <a:r>
+              <a:rPr lang="en-US" altLang="ko-KR" sz="2000" dirty="0">
+                <a:solidFill>
+                  <a:srgbClr val="000000"/>
+                </a:solidFill>
+                <a:latin typeface="Consolas" panose="020B0609020204030204" pitchFamily="49" charset="0"/>
+              </a:rPr>
+              <a:t> = </a:t>
+            </a:r>
+            <a:r>
+              <a:rPr lang="en-US" altLang="ko-KR" sz="2000" dirty="0" err="1">
+                <a:solidFill>
+                  <a:srgbClr val="000000"/>
+                </a:solidFill>
+                <a:latin typeface="Consolas" panose="020B0609020204030204" pitchFamily="49" charset="0"/>
+              </a:rPr>
+              <a:t>vocab_size</a:t>
+            </a:r>
+            <a:r>
+              <a:rPr lang="en-US" altLang="ko-KR" sz="2000" dirty="0">
+                <a:solidFill>
+                  <a:srgbClr val="000000"/>
+                </a:solidFill>
+                <a:latin typeface="Consolas" panose="020B0609020204030204" pitchFamily="49" charset="0"/>
+              </a:rPr>
+              <a:t> + </a:t>
+            </a:r>
+            <a:r>
+              <a:rPr lang="en-US" altLang="ko-KR" sz="2000" dirty="0">
+                <a:solidFill>
+                  <a:srgbClr val="008800"/>
+                </a:solidFill>
+                <a:latin typeface="Consolas" panose="020B0609020204030204" pitchFamily="49" charset="0"/>
+              </a:rPr>
+              <a:t>2</a:t>
+            </a:r>
+            <a:r>
+              <a:rPr lang="en-US" altLang="ko-KR" sz="2000" dirty="0">
+                <a:solidFill>
+                  <a:srgbClr val="000000"/>
+                </a:solidFill>
+                <a:latin typeface="Consolas" panose="020B0609020204030204" pitchFamily="49" charset="0"/>
+              </a:rPr>
+              <a:t>, </a:t>
+            </a:r>
+            <a:r>
+              <a:rPr lang="en-US" altLang="ko-KR" sz="2000" dirty="0" err="1">
+                <a:solidFill>
+                  <a:srgbClr val="000000"/>
+                </a:solidFill>
+                <a:latin typeface="Consolas" panose="020B0609020204030204" pitchFamily="49" charset="0"/>
+              </a:rPr>
+              <a:t>oov_token</a:t>
+            </a:r>
+            <a:r>
+              <a:rPr lang="en-US" altLang="ko-KR" sz="2000" dirty="0">
+                <a:solidFill>
+                  <a:srgbClr val="000000"/>
+                </a:solidFill>
+                <a:latin typeface="Consolas" panose="020B0609020204030204" pitchFamily="49" charset="0"/>
+              </a:rPr>
+              <a:t> = </a:t>
+            </a:r>
+            <a:r>
+              <a:rPr lang="en-US" altLang="ko-KR" sz="2000" dirty="0">
+                <a:solidFill>
+                  <a:srgbClr val="880000"/>
+                </a:solidFill>
+                <a:latin typeface="Consolas" panose="020B0609020204030204" pitchFamily="49" charset="0"/>
+              </a:rPr>
+              <a:t>‘OOV’</a:t>
+            </a:r>
+            <a:r>
+              <a:rPr lang="en-US" altLang="ko-KR" sz="2000" dirty="0">
+                <a:solidFill>
+                  <a:srgbClr val="000000"/>
+                </a:solidFill>
+                <a:latin typeface="Consolas" panose="020B0609020204030204" pitchFamily="49" charset="0"/>
+              </a:rPr>
+              <a:t>) </a:t>
+            </a:r>
+          </a:p>
+          <a:p>
+            <a:pPr>
+              <a:lnSpc>
+                <a:spcPct val="100000"/>
+              </a:lnSpc>
+            </a:pPr>
+            <a:r>
+              <a:rPr lang="en-US" altLang="ko-KR" sz="2000" dirty="0">
+                <a:solidFill>
+                  <a:srgbClr val="888888"/>
+                </a:solidFill>
+                <a:latin typeface="Consolas" panose="020B0609020204030204" pitchFamily="49" charset="0"/>
+              </a:rPr>
+              <a:t># </a:t>
+            </a:r>
+            <a:r>
+              <a:rPr lang="ko-KR" altLang="en-US" sz="2000" dirty="0">
+                <a:solidFill>
+                  <a:srgbClr val="888888"/>
+                </a:solidFill>
+                <a:latin typeface="Consolas" panose="020B0609020204030204" pitchFamily="49" charset="0"/>
+              </a:rPr>
+              <a:t>빈도수 상위 </a:t>
+            </a:r>
+            <a:r>
+              <a:rPr lang="en-US" altLang="ko-KR" sz="2000" dirty="0">
+                <a:solidFill>
+                  <a:srgbClr val="888888"/>
+                </a:solidFill>
+                <a:latin typeface="Consolas" panose="020B0609020204030204" pitchFamily="49" charset="0"/>
+              </a:rPr>
+              <a:t>5</a:t>
+            </a:r>
+            <a:r>
+              <a:rPr lang="ko-KR" altLang="en-US" sz="2000" dirty="0">
+                <a:solidFill>
+                  <a:srgbClr val="888888"/>
+                </a:solidFill>
+                <a:latin typeface="Consolas" panose="020B0609020204030204" pitchFamily="49" charset="0"/>
+              </a:rPr>
+              <a:t>개 단어만 사용</a:t>
+            </a:r>
+            <a:r>
+              <a:rPr lang="en-US" altLang="ko-KR" sz="2000" dirty="0">
+                <a:solidFill>
+                  <a:srgbClr val="888888"/>
+                </a:solidFill>
+                <a:latin typeface="Consolas" panose="020B0609020204030204" pitchFamily="49" charset="0"/>
+              </a:rPr>
+              <a:t>. </a:t>
+            </a:r>
+            <a:r>
+              <a:rPr lang="ko-KR" altLang="en-US" sz="2000" dirty="0">
+                <a:solidFill>
+                  <a:srgbClr val="888888"/>
+                </a:solidFill>
+                <a:latin typeface="Consolas" panose="020B0609020204030204" pitchFamily="49" charset="0"/>
+              </a:rPr>
+              <a:t>숫자 </a:t>
+            </a:r>
+            <a:r>
+              <a:rPr lang="en-US" altLang="ko-KR" sz="2000" dirty="0">
+                <a:solidFill>
+                  <a:srgbClr val="888888"/>
+                </a:solidFill>
+                <a:latin typeface="Consolas" panose="020B0609020204030204" pitchFamily="49" charset="0"/>
+              </a:rPr>
+              <a:t>0</a:t>
+            </a:r>
+            <a:r>
+              <a:rPr lang="ko-KR" altLang="en-US" sz="2000" dirty="0">
+                <a:solidFill>
+                  <a:srgbClr val="888888"/>
+                </a:solidFill>
+                <a:latin typeface="Consolas" panose="020B0609020204030204" pitchFamily="49" charset="0"/>
+              </a:rPr>
+              <a:t>과 </a:t>
+            </a:r>
+            <a:r>
+              <a:rPr lang="en-US" altLang="ko-KR" sz="2000" dirty="0">
+                <a:solidFill>
+                  <a:srgbClr val="888888"/>
+                </a:solidFill>
+                <a:latin typeface="Consolas" panose="020B0609020204030204" pitchFamily="49" charset="0"/>
+              </a:rPr>
+              <a:t>OOV</a:t>
+            </a:r>
+            <a:r>
+              <a:rPr lang="ko-KR" altLang="en-US" sz="2000" dirty="0">
+                <a:solidFill>
+                  <a:srgbClr val="888888"/>
+                </a:solidFill>
+                <a:latin typeface="Consolas" panose="020B0609020204030204" pitchFamily="49" charset="0"/>
+              </a:rPr>
+              <a:t>를 고려해서 단어 집합의 크기는 </a:t>
+            </a:r>
+            <a:r>
+              <a:rPr lang="en-US" altLang="ko-KR" sz="2000" dirty="0">
+                <a:solidFill>
+                  <a:srgbClr val="888888"/>
+                </a:solidFill>
+                <a:latin typeface="Consolas" panose="020B0609020204030204" pitchFamily="49" charset="0"/>
+              </a:rPr>
+              <a:t>+2</a:t>
+            </a:r>
+            <a:r>
+              <a:rPr lang="ko-KR" altLang="en-US" sz="2000" dirty="0">
+                <a:solidFill>
+                  <a:srgbClr val="000000"/>
+                </a:solidFill>
+                <a:latin typeface="Consolas" panose="020B0609020204030204" pitchFamily="49" charset="0"/>
+              </a:rPr>
+              <a:t> </a:t>
+            </a:r>
+            <a:endParaRPr lang="en-US" altLang="ko-KR" sz="2000" dirty="0">
+              <a:solidFill>
+                <a:srgbClr val="000000"/>
+              </a:solidFill>
+              <a:latin typeface="Consolas" panose="020B0609020204030204" pitchFamily="49" charset="0"/>
+            </a:endParaRPr>
+          </a:p>
+          <a:p>
+            <a:pPr>
+              <a:lnSpc>
+                <a:spcPct val="100000"/>
+              </a:lnSpc>
+            </a:pPr>
+            <a:endParaRPr lang="en-US" altLang="ko-KR" sz="2000" dirty="0">
+              <a:solidFill>
+                <a:srgbClr val="000000"/>
+              </a:solidFill>
+              <a:latin typeface="Consolas" panose="020B0609020204030204" pitchFamily="49" charset="0"/>
+            </a:endParaRPr>
+          </a:p>
+          <a:p>
+            <a:pPr>
+              <a:lnSpc>
+                <a:spcPct val="100000"/>
+              </a:lnSpc>
+            </a:pPr>
+            <a:r>
+              <a:rPr lang="en-US" altLang="ko-KR" sz="2000" dirty="0" err="1">
+                <a:solidFill>
+                  <a:srgbClr val="000000"/>
+                </a:solidFill>
+                <a:latin typeface="Consolas" panose="020B0609020204030204" pitchFamily="49" charset="0"/>
+              </a:rPr>
+              <a:t>tokenizer.fit_on_texts</a:t>
+            </a:r>
+            <a:r>
+              <a:rPr lang="en-US" altLang="ko-KR" sz="2000" dirty="0">
+                <a:solidFill>
+                  <a:srgbClr val="000000"/>
+                </a:solidFill>
+                <a:latin typeface="Consolas" panose="020B0609020204030204" pitchFamily="49" charset="0"/>
+              </a:rPr>
+              <a:t>(sentences)</a:t>
+            </a:r>
+          </a:p>
+          <a:p>
+            <a:pPr>
+              <a:lnSpc>
+                <a:spcPct val="100000"/>
+              </a:lnSpc>
+            </a:pPr>
+            <a:r>
+              <a:rPr lang="en-US" altLang="ko-KR" sz="2000" dirty="0">
+                <a:solidFill>
+                  <a:srgbClr val="888888"/>
+                </a:solidFill>
+                <a:latin typeface="Consolas" panose="020B0609020204030204" pitchFamily="49" charset="0"/>
+              </a:rPr>
+              <a:t># </a:t>
+            </a:r>
+            <a:r>
+              <a:rPr lang="ko-KR" altLang="en-US" sz="2000" dirty="0">
+                <a:solidFill>
+                  <a:srgbClr val="888888"/>
+                </a:solidFill>
+                <a:latin typeface="Consolas" panose="020B0609020204030204" pitchFamily="49" charset="0"/>
+              </a:rPr>
+              <a:t>단어 인덱스 구축</a:t>
+            </a:r>
+            <a:endParaRPr lang="en-US" altLang="ko-KR" sz="2000" dirty="0">
+              <a:solidFill>
+                <a:srgbClr val="888888"/>
+              </a:solidFill>
+              <a:latin typeface="Consolas" panose="020B0609020204030204" pitchFamily="49" charset="0"/>
+            </a:endParaRPr>
+          </a:p>
+          <a:p>
+            <a:pPr>
+              <a:lnSpc>
+                <a:spcPct val="100000"/>
+              </a:lnSpc>
+            </a:pPr>
+            <a:endParaRPr lang="en-US" altLang="ko-KR" sz="2000" dirty="0">
+              <a:solidFill>
+                <a:srgbClr val="888888"/>
+              </a:solidFill>
+              <a:latin typeface="Consolas" panose="020B0609020204030204" pitchFamily="49" charset="0"/>
+            </a:endParaRPr>
+          </a:p>
+          <a:p>
+            <a:pPr>
+              <a:lnSpc>
+                <a:spcPct val="100000"/>
+              </a:lnSpc>
+            </a:pPr>
+            <a:r>
+              <a:rPr lang="en-US" altLang="ko-KR" sz="2000" dirty="0">
+                <a:solidFill>
+                  <a:srgbClr val="000000"/>
+                </a:solidFill>
+                <a:latin typeface="Consolas" panose="020B0609020204030204" pitchFamily="49" charset="0"/>
+              </a:rPr>
+              <a:t>sentences</a:t>
+            </a:r>
+            <a:r>
+              <a:rPr lang="ko-KR" altLang="en-US" sz="2000" dirty="0">
+                <a:solidFill>
+                  <a:srgbClr val="000000"/>
+                </a:solidFill>
+                <a:latin typeface="Consolas" panose="020B0609020204030204" pitchFamily="49" charset="0"/>
+              </a:rPr>
+              <a:t> </a:t>
+            </a:r>
+            <a:r>
+              <a:rPr lang="en-US" altLang="ko-KR" sz="2000" dirty="0">
+                <a:solidFill>
+                  <a:srgbClr val="000000"/>
+                </a:solidFill>
+                <a:latin typeface="Consolas" panose="020B0609020204030204" pitchFamily="49" charset="0"/>
+              </a:rPr>
+              <a:t>=</a:t>
+            </a:r>
+            <a:r>
+              <a:rPr lang="ko-KR" altLang="en-US" sz="2000" dirty="0">
+                <a:solidFill>
+                  <a:srgbClr val="000000"/>
+                </a:solidFill>
+                <a:latin typeface="Consolas" panose="020B0609020204030204" pitchFamily="49" charset="0"/>
+              </a:rPr>
+              <a:t> </a:t>
+            </a:r>
+            <a:r>
+              <a:rPr lang="en-US" altLang="ko-KR" sz="2000" dirty="0" err="1">
+                <a:solidFill>
+                  <a:srgbClr val="000000"/>
+                </a:solidFill>
+                <a:latin typeface="Consolas" panose="020B0609020204030204" pitchFamily="49" charset="0"/>
+              </a:rPr>
+              <a:t>tokenizer.texts_to_sequences</a:t>
+            </a:r>
+            <a:r>
+              <a:rPr lang="en-US" altLang="ko-KR" sz="2000" dirty="0">
+                <a:solidFill>
+                  <a:srgbClr val="000000"/>
+                </a:solidFill>
+                <a:latin typeface="Consolas" panose="020B0609020204030204" pitchFamily="49" charset="0"/>
+              </a:rPr>
+              <a:t>(sentences)</a:t>
+            </a:r>
+          </a:p>
+          <a:p>
+            <a:pPr>
+              <a:lnSpc>
+                <a:spcPct val="100000"/>
+              </a:lnSpc>
+            </a:pPr>
+            <a:r>
+              <a:rPr lang="en-US" altLang="ko-KR" sz="2000" dirty="0">
+                <a:solidFill>
+                  <a:srgbClr val="888888"/>
+                </a:solidFill>
+                <a:latin typeface="Consolas" panose="020B0609020204030204" pitchFamily="49" charset="0"/>
+              </a:rPr>
+              <a:t># </a:t>
+            </a:r>
+            <a:r>
+              <a:rPr lang="ko-KR" altLang="en-US" sz="2000" dirty="0">
+                <a:solidFill>
+                  <a:srgbClr val="888888"/>
+                </a:solidFill>
+                <a:latin typeface="Consolas" panose="020B0609020204030204" pitchFamily="49" charset="0"/>
+              </a:rPr>
+              <a:t>문자열을 정수 인덱스의 리스트로 반환</a:t>
+            </a:r>
+            <a:endParaRPr lang="en-US" altLang="ko-KR" sz="2000" dirty="0">
+              <a:solidFill>
+                <a:srgbClr val="888888"/>
+              </a:solidFill>
+              <a:latin typeface="Consolas" panose="020B0609020204030204" pitchFamily="49" charset="0"/>
+            </a:endParaRPr>
+          </a:p>
+          <a:p>
+            <a:pPr>
+              <a:lnSpc>
+                <a:spcPct val="200000"/>
+              </a:lnSpc>
+            </a:pPr>
+            <a:endParaRPr lang="ko-KR" altLang="en-US" sz="2000" dirty="0"/>
+          </a:p>
+        </p:txBody>
+      </p:sp>
+    </p:spTree>
+    <p:extLst>
+      <p:ext uri="{BB962C8B-B14F-4D97-AF65-F5344CB8AC3E}">
+        <p14:creationId xmlns:p14="http://schemas.microsoft.com/office/powerpoint/2010/main" val="2559697029"/>
+      </p:ext>
+    </p:extLst>
+  </p:cSld>
+  <p:clrMapOvr>
+    <a:masterClrMapping/>
+  </p:clrMapOvr>
+</p:sld>
+</file>
+
+<file path=ppt/slides/slide15.xml><?xml version="1.0" encoding="utf-8"?>
+<p:sld xmlns:a="http://schemas.openxmlformats.org/drawingml/2006/main" xmlns:r="http://schemas.openxmlformats.org/officeDocument/2006/relationships" xmlns:p="http://schemas.openxmlformats.org/presentationml/2006/main">
+  <p:cSld>
+    <p:spTree>
+      <p:nvGrpSpPr>
+        <p:cNvPr id="1" name=""/>
+        <p:cNvGrpSpPr/>
+        <p:nvPr/>
+      </p:nvGrpSpPr>
+      <p:grpSpPr>
+        <a:xfrm>
+          <a:off x="0" y="0"/>
+          <a:ext cx="0" cy="0"/>
+          <a:chOff x="0" y="0"/>
+          <a:chExt cx="0" cy="0"/>
+        </a:xfrm>
+      </p:grpSpPr>
+      <p:sp>
+        <p:nvSpPr>
+          <p:cNvPr id="2" name="제목 1">
+            <a:extLst>
+              <a:ext uri="{FF2B5EF4-FFF2-40B4-BE49-F238E27FC236}">
+                <a16:creationId xmlns:a16="http://schemas.microsoft.com/office/drawing/2014/main" id="{37CC70F7-33A3-49D2-BF51-CB4126FC6455}"/>
+              </a:ext>
+            </a:extLst>
+          </p:cNvPr>
+          <p:cNvSpPr>
+            <a:spLocks noGrp="1"/>
+          </p:cNvSpPr>
+          <p:nvPr>
+            <p:ph type="title"/>
+          </p:nvPr>
+        </p:nvSpPr>
+        <p:spPr/>
+        <p:txBody>
+          <a:bodyPr/>
+          <a:lstStyle/>
+          <a:p>
+            <a:r>
+              <a:rPr lang="en-US" altLang="ko-KR" dirty="0"/>
+              <a:t>LSTM</a:t>
+            </a:r>
+            <a:r>
+              <a:rPr lang="ko-KR" altLang="en-US" dirty="0"/>
+              <a:t> 유형</a:t>
+            </a:r>
+          </a:p>
+        </p:txBody>
+      </p:sp>
+      <p:sp>
+        <p:nvSpPr>
+          <p:cNvPr id="3" name="내용 개체 틀 2">
+            <a:extLst>
+              <a:ext uri="{FF2B5EF4-FFF2-40B4-BE49-F238E27FC236}">
+                <a16:creationId xmlns:a16="http://schemas.microsoft.com/office/drawing/2014/main" id="{D600E55A-E6FC-41ED-9E4E-F78D0E91B5E3}"/>
+              </a:ext>
+            </a:extLst>
+          </p:cNvPr>
+          <p:cNvSpPr>
+            <a:spLocks noGrp="1"/>
+          </p:cNvSpPr>
+          <p:nvPr>
+            <p:ph idx="1"/>
+          </p:nvPr>
+        </p:nvSpPr>
+        <p:spPr/>
+        <p:txBody>
+          <a:bodyPr/>
+          <a:lstStyle/>
+          <a:p>
+            <a:r>
+              <a:rPr lang="ko-KR" altLang="en-US" dirty="0"/>
+              <a:t>단층</a:t>
+            </a:r>
+            <a:r>
+              <a:rPr lang="en-US" altLang="ko-KR" dirty="0"/>
+              <a:t>-</a:t>
+            </a:r>
+            <a:r>
+              <a:rPr lang="ko-KR" altLang="en-US" dirty="0"/>
+              <a:t>단방향 </a:t>
+            </a:r>
+            <a:r>
+              <a:rPr lang="en-US" altLang="ko-KR" dirty="0"/>
+              <a:t>&amp; many-to-one</a:t>
+            </a:r>
+          </a:p>
+          <a:p>
+            <a:endParaRPr lang="ko-KR" altLang="en-US" dirty="0"/>
+          </a:p>
+        </p:txBody>
+      </p:sp>
+      <p:pic>
+        <p:nvPicPr>
+          <p:cNvPr id="4" name="그림 3">
+            <a:extLst>
+              <a:ext uri="{FF2B5EF4-FFF2-40B4-BE49-F238E27FC236}">
+                <a16:creationId xmlns:a16="http://schemas.microsoft.com/office/drawing/2014/main" id="{9DB25BB4-CF5D-402E-8D21-7D903D3A2C8D}"/>
+              </a:ext>
+            </a:extLst>
+          </p:cNvPr>
+          <p:cNvPicPr>
+            <a:picLocks noChangeAspect="1"/>
+          </p:cNvPicPr>
+          <p:nvPr/>
+        </p:nvPicPr>
+        <p:blipFill>
+          <a:blip r:embed="rId2"/>
+          <a:stretch>
+            <a:fillRect/>
+          </a:stretch>
+        </p:blipFill>
+        <p:spPr>
+          <a:xfrm>
+            <a:off x="838200" y="2764040"/>
+            <a:ext cx="6529541" cy="3071496"/>
+          </a:xfrm>
+          <a:prstGeom prst="rect">
+            <a:avLst/>
+          </a:prstGeom>
+        </p:spPr>
+      </p:pic>
+      <p:pic>
+        <p:nvPicPr>
+          <p:cNvPr id="5" name="그림 4">
+            <a:extLst>
+              <a:ext uri="{FF2B5EF4-FFF2-40B4-BE49-F238E27FC236}">
+                <a16:creationId xmlns:a16="http://schemas.microsoft.com/office/drawing/2014/main" id="{00C0BC97-D5F9-4B5A-9E1D-9DCE80743781}"/>
+              </a:ext>
+            </a:extLst>
+          </p:cNvPr>
+          <p:cNvPicPr>
+            <a:picLocks noChangeAspect="1"/>
+          </p:cNvPicPr>
+          <p:nvPr/>
+        </p:nvPicPr>
+        <p:blipFill>
+          <a:blip r:embed="rId3"/>
+          <a:stretch>
+            <a:fillRect/>
+          </a:stretch>
+        </p:blipFill>
+        <p:spPr>
+          <a:xfrm>
+            <a:off x="7367741" y="927086"/>
+            <a:ext cx="4371975" cy="2076450"/>
+          </a:xfrm>
+          <a:prstGeom prst="rect">
+            <a:avLst/>
+          </a:prstGeom>
+        </p:spPr>
+      </p:pic>
+      <p:pic>
+        <p:nvPicPr>
+          <p:cNvPr id="6" name="그림 5">
+            <a:extLst>
+              <a:ext uri="{FF2B5EF4-FFF2-40B4-BE49-F238E27FC236}">
+                <a16:creationId xmlns:a16="http://schemas.microsoft.com/office/drawing/2014/main" id="{3820BBC2-EA51-4956-AD70-AA0AA1A39698}"/>
+              </a:ext>
+            </a:extLst>
+          </p:cNvPr>
+          <p:cNvPicPr>
+            <a:picLocks noChangeAspect="1"/>
+          </p:cNvPicPr>
+          <p:nvPr/>
+        </p:nvPicPr>
+        <p:blipFill>
+          <a:blip r:embed="rId4"/>
+          <a:stretch>
+            <a:fillRect/>
+          </a:stretch>
+        </p:blipFill>
+        <p:spPr>
+          <a:xfrm>
+            <a:off x="7372350" y="3491699"/>
+            <a:ext cx="4409508" cy="2194205"/>
+          </a:xfrm>
+          <a:prstGeom prst="rect">
+            <a:avLst/>
+          </a:prstGeom>
+        </p:spPr>
+      </p:pic>
+    </p:spTree>
+    <p:extLst>
+      <p:ext uri="{BB962C8B-B14F-4D97-AF65-F5344CB8AC3E}">
+        <p14:creationId xmlns:p14="http://schemas.microsoft.com/office/powerpoint/2010/main" val="1330959095"/>
+      </p:ext>
+    </p:extLst>
+  </p:cSld>
+  <p:clrMapOvr>
+    <a:masterClrMapping/>
+  </p:clrMapOvr>
+</p:sld>
+</file>
+
+<file path=ppt/slides/slide16.xml><?xml version="1.0" encoding="utf-8"?>
+<p:sld xmlns:a="http://schemas.openxmlformats.org/drawingml/2006/main" xmlns:r="http://schemas.openxmlformats.org/officeDocument/2006/relationships" xmlns:p="http://schemas.openxmlformats.org/presentationml/2006/main">
+  <p:cSld>
+    <p:spTree>
+      <p:nvGrpSpPr>
+        <p:cNvPr id="1" name=""/>
+        <p:cNvGrpSpPr/>
+        <p:nvPr/>
+      </p:nvGrpSpPr>
+      <p:grpSpPr>
+        <a:xfrm>
+          <a:off x="0" y="0"/>
+          <a:ext cx="0" cy="0"/>
+          <a:chOff x="0" y="0"/>
+          <a:chExt cx="0" cy="0"/>
+        </a:xfrm>
+      </p:grpSpPr>
+      <p:sp>
+        <p:nvSpPr>
+          <p:cNvPr id="2" name="제목 1">
+            <a:extLst>
+              <a:ext uri="{FF2B5EF4-FFF2-40B4-BE49-F238E27FC236}">
+                <a16:creationId xmlns:a16="http://schemas.microsoft.com/office/drawing/2014/main" id="{37CC70F7-33A3-49D2-BF51-CB4126FC6455}"/>
+              </a:ext>
+            </a:extLst>
+          </p:cNvPr>
+          <p:cNvSpPr>
+            <a:spLocks noGrp="1"/>
+          </p:cNvSpPr>
+          <p:nvPr>
+            <p:ph type="title"/>
+          </p:nvPr>
+        </p:nvSpPr>
+        <p:spPr/>
+        <p:txBody>
+          <a:bodyPr/>
+          <a:lstStyle/>
+          <a:p>
+            <a:r>
+              <a:rPr lang="en-US" altLang="ko-KR" dirty="0"/>
+              <a:t>LSTM</a:t>
+            </a:r>
+            <a:r>
+              <a:rPr lang="ko-KR" altLang="en-US" dirty="0"/>
+              <a:t> 유형</a:t>
+            </a:r>
+          </a:p>
+        </p:txBody>
+      </p:sp>
+      <p:sp>
+        <p:nvSpPr>
+          <p:cNvPr id="3" name="내용 개체 틀 2">
+            <a:extLst>
+              <a:ext uri="{FF2B5EF4-FFF2-40B4-BE49-F238E27FC236}">
+                <a16:creationId xmlns:a16="http://schemas.microsoft.com/office/drawing/2014/main" id="{D600E55A-E6FC-41ED-9E4E-F78D0E91B5E3}"/>
+              </a:ext>
+            </a:extLst>
+          </p:cNvPr>
+          <p:cNvSpPr>
+            <a:spLocks noGrp="1"/>
+          </p:cNvSpPr>
+          <p:nvPr>
+            <p:ph idx="1"/>
+          </p:nvPr>
+        </p:nvSpPr>
+        <p:spPr/>
+        <p:txBody>
+          <a:bodyPr/>
+          <a:lstStyle/>
+          <a:p>
+            <a:r>
+              <a:rPr lang="ko-KR" altLang="en-US" dirty="0"/>
+              <a:t>단층</a:t>
+            </a:r>
+            <a:r>
+              <a:rPr lang="en-US" altLang="ko-KR" dirty="0"/>
+              <a:t>-</a:t>
+            </a:r>
+            <a:r>
+              <a:rPr lang="ko-KR" altLang="en-US" dirty="0"/>
+              <a:t>단방향 </a:t>
+            </a:r>
+            <a:r>
+              <a:rPr lang="en-US" altLang="ko-KR" dirty="0"/>
+              <a:t>&amp; many-to-many</a:t>
+            </a:r>
+          </a:p>
+          <a:p>
+            <a:endParaRPr lang="ko-KR" altLang="en-US" dirty="0"/>
+          </a:p>
+        </p:txBody>
+      </p:sp>
+      <p:pic>
+        <p:nvPicPr>
+          <p:cNvPr id="8" name="그림 7">
+            <a:extLst>
+              <a:ext uri="{FF2B5EF4-FFF2-40B4-BE49-F238E27FC236}">
+                <a16:creationId xmlns:a16="http://schemas.microsoft.com/office/drawing/2014/main" id="{0A0E6E15-BE1F-468C-823F-DDFCEC676598}"/>
+              </a:ext>
+            </a:extLst>
+          </p:cNvPr>
+          <p:cNvPicPr>
+            <a:picLocks noChangeAspect="1"/>
+          </p:cNvPicPr>
+          <p:nvPr/>
+        </p:nvPicPr>
+        <p:blipFill>
+          <a:blip r:embed="rId2"/>
+          <a:stretch>
+            <a:fillRect/>
+          </a:stretch>
+        </p:blipFill>
+        <p:spPr>
+          <a:xfrm>
+            <a:off x="6924675" y="1481975"/>
+            <a:ext cx="4429125" cy="1762125"/>
+          </a:xfrm>
+          <a:prstGeom prst="rect">
+            <a:avLst/>
+          </a:prstGeom>
+        </p:spPr>
+      </p:pic>
+      <p:pic>
+        <p:nvPicPr>
+          <p:cNvPr id="9" name="그림 8">
+            <a:extLst>
+              <a:ext uri="{FF2B5EF4-FFF2-40B4-BE49-F238E27FC236}">
+                <a16:creationId xmlns:a16="http://schemas.microsoft.com/office/drawing/2014/main" id="{1E2ABE02-877E-4124-A522-EFDFC76DA6C3}"/>
+              </a:ext>
+            </a:extLst>
+          </p:cNvPr>
+          <p:cNvPicPr>
+            <a:picLocks noChangeAspect="1"/>
+          </p:cNvPicPr>
+          <p:nvPr/>
+        </p:nvPicPr>
+        <p:blipFill rotWithShape="1">
+          <a:blip r:embed="rId3"/>
+          <a:srcRect r="428"/>
+          <a:stretch/>
+        </p:blipFill>
+        <p:spPr>
+          <a:xfrm>
+            <a:off x="6924675" y="4013474"/>
+            <a:ext cx="4429125" cy="1809750"/>
+          </a:xfrm>
+          <a:prstGeom prst="rect">
+            <a:avLst/>
+          </a:prstGeom>
+        </p:spPr>
+      </p:pic>
+      <p:pic>
+        <p:nvPicPr>
+          <p:cNvPr id="10" name="그림 9">
+            <a:extLst>
+              <a:ext uri="{FF2B5EF4-FFF2-40B4-BE49-F238E27FC236}">
+                <a16:creationId xmlns:a16="http://schemas.microsoft.com/office/drawing/2014/main" id="{CFDDDC5B-249D-4224-A930-CEE8B9DC996A}"/>
+              </a:ext>
+            </a:extLst>
+          </p:cNvPr>
+          <p:cNvPicPr>
+            <a:picLocks noChangeAspect="1"/>
+          </p:cNvPicPr>
+          <p:nvPr/>
+        </p:nvPicPr>
+        <p:blipFill>
+          <a:blip r:embed="rId4"/>
+          <a:stretch>
+            <a:fillRect/>
+          </a:stretch>
+        </p:blipFill>
+        <p:spPr>
+          <a:xfrm>
+            <a:off x="838200" y="2690813"/>
+            <a:ext cx="5448300" cy="3486150"/>
+          </a:xfrm>
+          <a:prstGeom prst="rect">
+            <a:avLst/>
+          </a:prstGeom>
+        </p:spPr>
+      </p:pic>
+    </p:spTree>
+    <p:extLst>
+      <p:ext uri="{BB962C8B-B14F-4D97-AF65-F5344CB8AC3E}">
+        <p14:creationId xmlns:p14="http://schemas.microsoft.com/office/powerpoint/2010/main" val="3135687856"/>
+      </p:ext>
+    </p:extLst>
+  </p:cSld>
+  <p:clrMapOvr>
+    <a:masterClrMapping/>
+  </p:clrMapOvr>
+</p:sld>
+</file>
+
+<file path=ppt/slides/slide17.xml><?xml version="1.0" encoding="utf-8"?>
+<p:sld xmlns:a="http://schemas.openxmlformats.org/drawingml/2006/main" xmlns:r="http://schemas.openxmlformats.org/officeDocument/2006/relationships" xmlns:p="http://schemas.openxmlformats.org/presentationml/2006/main">
+  <p:cSld>
+    <p:spTree>
+      <p:nvGrpSpPr>
+        <p:cNvPr id="1" name=""/>
+        <p:cNvGrpSpPr/>
+        <p:nvPr/>
+      </p:nvGrpSpPr>
+      <p:grpSpPr>
+        <a:xfrm>
+          <a:off x="0" y="0"/>
+          <a:ext cx="0" cy="0"/>
+          <a:chOff x="0" y="0"/>
+          <a:chExt cx="0" cy="0"/>
+        </a:xfrm>
+      </p:grpSpPr>
+      <p:sp>
+        <p:nvSpPr>
+          <p:cNvPr id="2" name="제목 1">
+            <a:extLst>
+              <a:ext uri="{FF2B5EF4-FFF2-40B4-BE49-F238E27FC236}">
+                <a16:creationId xmlns:a16="http://schemas.microsoft.com/office/drawing/2014/main" id="{37CC70F7-33A3-49D2-BF51-CB4126FC6455}"/>
+              </a:ext>
+            </a:extLst>
+          </p:cNvPr>
+          <p:cNvSpPr>
+            <a:spLocks noGrp="1"/>
+          </p:cNvSpPr>
+          <p:nvPr>
+            <p:ph type="title"/>
+          </p:nvPr>
+        </p:nvSpPr>
+        <p:spPr/>
+        <p:txBody>
+          <a:bodyPr/>
+          <a:lstStyle/>
+          <a:p>
+            <a:r>
+              <a:rPr lang="en-US" altLang="ko-KR" dirty="0"/>
+              <a:t>LSTM</a:t>
+            </a:r>
+            <a:r>
+              <a:rPr lang="ko-KR" altLang="en-US" dirty="0"/>
+              <a:t> 유형</a:t>
+            </a:r>
+          </a:p>
+        </p:txBody>
+      </p:sp>
+      <p:sp>
+        <p:nvSpPr>
+          <p:cNvPr id="3" name="내용 개체 틀 2">
+            <a:extLst>
+              <a:ext uri="{FF2B5EF4-FFF2-40B4-BE49-F238E27FC236}">
+                <a16:creationId xmlns:a16="http://schemas.microsoft.com/office/drawing/2014/main" id="{D600E55A-E6FC-41ED-9E4E-F78D0E91B5E3}"/>
+              </a:ext>
+            </a:extLst>
+          </p:cNvPr>
+          <p:cNvSpPr>
+            <a:spLocks noGrp="1"/>
+          </p:cNvSpPr>
+          <p:nvPr>
+            <p:ph idx="1"/>
+          </p:nvPr>
+        </p:nvSpPr>
+        <p:spPr/>
+        <p:txBody>
+          <a:bodyPr/>
+          <a:lstStyle/>
+          <a:p>
+            <a:r>
+              <a:rPr lang="ko-KR" altLang="en-US" dirty="0"/>
+              <a:t>단층</a:t>
+            </a:r>
+            <a:r>
+              <a:rPr lang="en-US" altLang="ko-KR" dirty="0"/>
+              <a:t>-</a:t>
+            </a:r>
+            <a:r>
+              <a:rPr lang="ko-KR" altLang="en-US" dirty="0"/>
+              <a:t>단방향 </a:t>
+            </a:r>
+            <a:r>
+              <a:rPr lang="en-US" altLang="ko-KR" dirty="0"/>
+              <a:t>&amp; many-to-many</a:t>
+            </a:r>
+          </a:p>
+          <a:p>
+            <a:endParaRPr lang="ko-KR" altLang="en-US" dirty="0"/>
+          </a:p>
+        </p:txBody>
+      </p:sp>
+      <p:pic>
+        <p:nvPicPr>
+          <p:cNvPr id="4" name="그림 3">
+            <a:extLst>
+              <a:ext uri="{FF2B5EF4-FFF2-40B4-BE49-F238E27FC236}">
+                <a16:creationId xmlns:a16="http://schemas.microsoft.com/office/drawing/2014/main" id="{A6DD81E6-112B-447D-94A4-DFD38C82DC81}"/>
+              </a:ext>
+            </a:extLst>
+          </p:cNvPr>
+          <p:cNvPicPr>
+            <a:picLocks noChangeAspect="1"/>
+          </p:cNvPicPr>
+          <p:nvPr/>
+        </p:nvPicPr>
+        <p:blipFill>
+          <a:blip r:embed="rId2"/>
+          <a:stretch>
+            <a:fillRect/>
+          </a:stretch>
+        </p:blipFill>
+        <p:spPr>
+          <a:xfrm>
+            <a:off x="6924675" y="1825625"/>
+            <a:ext cx="4552950" cy="1400175"/>
+          </a:xfrm>
+          <a:prstGeom prst="rect">
+            <a:avLst/>
+          </a:prstGeom>
+        </p:spPr>
+      </p:pic>
+      <p:pic>
+        <p:nvPicPr>
+          <p:cNvPr id="5" name="그림 4">
+            <a:extLst>
+              <a:ext uri="{FF2B5EF4-FFF2-40B4-BE49-F238E27FC236}">
+                <a16:creationId xmlns:a16="http://schemas.microsoft.com/office/drawing/2014/main" id="{E20BA661-80F0-4D5B-BD76-2DE90A3D467D}"/>
+              </a:ext>
+            </a:extLst>
+          </p:cNvPr>
+          <p:cNvPicPr>
+            <a:picLocks noChangeAspect="1"/>
+          </p:cNvPicPr>
+          <p:nvPr/>
+        </p:nvPicPr>
+        <p:blipFill>
+          <a:blip r:embed="rId3"/>
+          <a:stretch>
+            <a:fillRect/>
+          </a:stretch>
+        </p:blipFill>
+        <p:spPr>
+          <a:xfrm>
+            <a:off x="6924675" y="4206438"/>
+            <a:ext cx="4552950" cy="1970525"/>
+          </a:xfrm>
+          <a:prstGeom prst="rect">
+            <a:avLst/>
+          </a:prstGeom>
+        </p:spPr>
+      </p:pic>
+      <p:pic>
+        <p:nvPicPr>
+          <p:cNvPr id="6" name="그림 5">
+            <a:extLst>
+              <a:ext uri="{FF2B5EF4-FFF2-40B4-BE49-F238E27FC236}">
+                <a16:creationId xmlns:a16="http://schemas.microsoft.com/office/drawing/2014/main" id="{A7B7ADD6-C0C6-4011-8122-BBF60A1772CD}"/>
+              </a:ext>
+            </a:extLst>
+          </p:cNvPr>
+          <p:cNvPicPr>
+            <a:picLocks noChangeAspect="1"/>
+          </p:cNvPicPr>
+          <p:nvPr/>
+        </p:nvPicPr>
+        <p:blipFill>
+          <a:blip r:embed="rId4"/>
+          <a:stretch>
+            <a:fillRect/>
+          </a:stretch>
+        </p:blipFill>
+        <p:spPr>
+          <a:xfrm>
+            <a:off x="714375" y="2470223"/>
+            <a:ext cx="5610225" cy="4124325"/>
+          </a:xfrm>
+          <a:prstGeom prst="rect">
+            <a:avLst/>
+          </a:prstGeom>
+        </p:spPr>
+      </p:pic>
+    </p:spTree>
+    <p:extLst>
+      <p:ext uri="{BB962C8B-B14F-4D97-AF65-F5344CB8AC3E}">
+        <p14:creationId xmlns:p14="http://schemas.microsoft.com/office/powerpoint/2010/main" val="1115860953"/>
+      </p:ext>
+    </p:extLst>
+  </p:cSld>
+  <p:clrMapOvr>
+    <a:masterClrMapping/>
+  </p:clrMapOvr>
+</p:sld>
+</file>
+
+<file path=ppt/slides/slide18.xml><?xml version="1.0" encoding="utf-8"?>
+<p:sld xmlns:a="http://schemas.openxmlformats.org/drawingml/2006/main" xmlns:r="http://schemas.openxmlformats.org/officeDocument/2006/relationships" xmlns:p="http://schemas.openxmlformats.org/presentationml/2006/main">
+  <p:cSld>
+    <p:spTree>
+      <p:nvGrpSpPr>
+        <p:cNvPr id="1" name=""/>
+        <p:cNvGrpSpPr/>
+        <p:nvPr/>
+      </p:nvGrpSpPr>
+      <p:grpSpPr>
+        <a:xfrm>
+          <a:off x="0" y="0"/>
+          <a:ext cx="0" cy="0"/>
+          <a:chOff x="0" y="0"/>
+          <a:chExt cx="0" cy="0"/>
+        </a:xfrm>
+      </p:grpSpPr>
+      <p:sp>
+        <p:nvSpPr>
+          <p:cNvPr id="2" name="제목 1">
+            <a:extLst>
+              <a:ext uri="{FF2B5EF4-FFF2-40B4-BE49-F238E27FC236}">
+                <a16:creationId xmlns:a16="http://schemas.microsoft.com/office/drawing/2014/main" id="{37CC70F7-33A3-49D2-BF51-CB4126FC6455}"/>
+              </a:ext>
+            </a:extLst>
+          </p:cNvPr>
+          <p:cNvSpPr>
+            <a:spLocks noGrp="1"/>
+          </p:cNvSpPr>
+          <p:nvPr>
+            <p:ph type="title"/>
+          </p:nvPr>
+        </p:nvSpPr>
+        <p:spPr/>
+        <p:txBody>
+          <a:bodyPr/>
+          <a:lstStyle/>
+          <a:p>
+            <a:r>
+              <a:rPr lang="en-US" altLang="ko-KR" dirty="0"/>
+              <a:t>LSTM</a:t>
+            </a:r>
+            <a:r>
+              <a:rPr lang="ko-KR" altLang="en-US" dirty="0"/>
+              <a:t> 유형</a:t>
+            </a:r>
+          </a:p>
+        </p:txBody>
+      </p:sp>
+      <p:sp>
+        <p:nvSpPr>
+          <p:cNvPr id="3" name="내용 개체 틀 2">
+            <a:extLst>
+              <a:ext uri="{FF2B5EF4-FFF2-40B4-BE49-F238E27FC236}">
+                <a16:creationId xmlns:a16="http://schemas.microsoft.com/office/drawing/2014/main" id="{D600E55A-E6FC-41ED-9E4E-F78D0E91B5E3}"/>
+              </a:ext>
+            </a:extLst>
+          </p:cNvPr>
+          <p:cNvSpPr>
+            <a:spLocks noGrp="1"/>
+          </p:cNvSpPr>
+          <p:nvPr>
+            <p:ph idx="1"/>
+          </p:nvPr>
+        </p:nvSpPr>
+        <p:spPr/>
+        <p:txBody>
+          <a:bodyPr/>
+          <a:lstStyle/>
+          <a:p>
+            <a:r>
+              <a:rPr lang="ko-KR" altLang="en-US" dirty="0"/>
+              <a:t>단층</a:t>
+            </a:r>
+            <a:r>
+              <a:rPr lang="en-US" altLang="ko-KR" dirty="0"/>
+              <a:t>-</a:t>
+            </a:r>
+            <a:r>
+              <a:rPr lang="ko-KR" altLang="en-US" dirty="0"/>
+              <a:t>단방향 </a:t>
+            </a:r>
+            <a:r>
+              <a:rPr lang="en-US" altLang="ko-KR" dirty="0"/>
+              <a:t>&amp; many-to-many</a:t>
+            </a:r>
+          </a:p>
+          <a:p>
+            <a:endParaRPr lang="ko-KR" altLang="en-US" dirty="0"/>
+          </a:p>
+        </p:txBody>
+      </p:sp>
+      <p:pic>
+        <p:nvPicPr>
+          <p:cNvPr id="7" name="그림 6">
+            <a:extLst>
+              <a:ext uri="{FF2B5EF4-FFF2-40B4-BE49-F238E27FC236}">
+                <a16:creationId xmlns:a16="http://schemas.microsoft.com/office/drawing/2014/main" id="{C357A9E9-BF79-4831-92D3-3F2E5B05E576}"/>
+              </a:ext>
+            </a:extLst>
+          </p:cNvPr>
+          <p:cNvPicPr>
+            <a:picLocks noChangeAspect="1"/>
+          </p:cNvPicPr>
+          <p:nvPr/>
+        </p:nvPicPr>
+        <p:blipFill>
+          <a:blip r:embed="rId2"/>
+          <a:stretch>
+            <a:fillRect/>
+          </a:stretch>
+        </p:blipFill>
+        <p:spPr>
+          <a:xfrm>
+            <a:off x="6924675" y="1652945"/>
+            <a:ext cx="4448175" cy="1657350"/>
+          </a:xfrm>
+          <a:prstGeom prst="rect">
+            <a:avLst/>
+          </a:prstGeom>
+        </p:spPr>
+      </p:pic>
+      <p:pic>
+        <p:nvPicPr>
+          <p:cNvPr id="8" name="그림 7">
+            <a:extLst>
+              <a:ext uri="{FF2B5EF4-FFF2-40B4-BE49-F238E27FC236}">
+                <a16:creationId xmlns:a16="http://schemas.microsoft.com/office/drawing/2014/main" id="{6856805E-6CFA-4412-AB3D-F278D772A8F3}"/>
+              </a:ext>
+            </a:extLst>
+          </p:cNvPr>
+          <p:cNvPicPr>
+            <a:picLocks noChangeAspect="1"/>
+          </p:cNvPicPr>
+          <p:nvPr/>
+        </p:nvPicPr>
+        <p:blipFill>
+          <a:blip r:embed="rId3"/>
+          <a:stretch>
+            <a:fillRect/>
+          </a:stretch>
+        </p:blipFill>
+        <p:spPr>
+          <a:xfrm>
+            <a:off x="6924675" y="3888746"/>
+            <a:ext cx="4429125" cy="2288218"/>
+          </a:xfrm>
+          <a:prstGeom prst="rect">
+            <a:avLst/>
+          </a:prstGeom>
+        </p:spPr>
+      </p:pic>
+      <p:pic>
+        <p:nvPicPr>
+          <p:cNvPr id="9" name="그림 8">
+            <a:extLst>
+              <a:ext uri="{FF2B5EF4-FFF2-40B4-BE49-F238E27FC236}">
+                <a16:creationId xmlns:a16="http://schemas.microsoft.com/office/drawing/2014/main" id="{47AD1112-48D8-4C04-B030-64B41F7F5194}"/>
+              </a:ext>
+            </a:extLst>
+          </p:cNvPr>
+          <p:cNvPicPr>
+            <a:picLocks noChangeAspect="1"/>
+          </p:cNvPicPr>
+          <p:nvPr/>
+        </p:nvPicPr>
+        <p:blipFill>
+          <a:blip r:embed="rId4"/>
+          <a:stretch>
+            <a:fillRect/>
+          </a:stretch>
+        </p:blipFill>
+        <p:spPr>
+          <a:xfrm>
+            <a:off x="819150" y="2616200"/>
+            <a:ext cx="5905500" cy="3695700"/>
+          </a:xfrm>
+          <a:prstGeom prst="rect">
+            <a:avLst/>
+          </a:prstGeom>
+        </p:spPr>
+      </p:pic>
+    </p:spTree>
+    <p:extLst>
+      <p:ext uri="{BB962C8B-B14F-4D97-AF65-F5344CB8AC3E}">
+        <p14:creationId xmlns:p14="http://schemas.microsoft.com/office/powerpoint/2010/main" val="2295073511"/>
+      </p:ext>
+    </p:extLst>
+  </p:cSld>
+  <p:clrMapOvr>
+    <a:masterClrMapping/>
+  </p:clrMapOvr>
+</p:sld>
+</file>
+
+<file path=ppt/slides/slide19.xml><?xml version="1.0" encoding="utf-8"?>
+<p:sld xmlns:a="http://schemas.openxmlformats.org/drawingml/2006/main" xmlns:r="http://schemas.openxmlformats.org/officeDocument/2006/relationships" xmlns:p="http://schemas.openxmlformats.org/presentationml/2006/main">
+  <p:cSld>
+    <p:spTree>
+      <p:nvGrpSpPr>
+        <p:cNvPr id="1" name=""/>
+        <p:cNvGrpSpPr/>
+        <p:nvPr/>
+      </p:nvGrpSpPr>
+      <p:grpSpPr>
+        <a:xfrm>
+          <a:off x="0" y="0"/>
+          <a:ext cx="0" cy="0"/>
+          <a:chOff x="0" y="0"/>
+          <a:chExt cx="0" cy="0"/>
+        </a:xfrm>
+      </p:grpSpPr>
+      <p:sp>
+        <p:nvSpPr>
+          <p:cNvPr id="2" name="제목 1">
+            <a:extLst>
+              <a:ext uri="{FF2B5EF4-FFF2-40B4-BE49-F238E27FC236}">
+                <a16:creationId xmlns:a16="http://schemas.microsoft.com/office/drawing/2014/main" id="{DB9EE649-17D3-47AC-B25D-DACD3D877A8E}"/>
+              </a:ext>
+            </a:extLst>
+          </p:cNvPr>
+          <p:cNvSpPr>
+            <a:spLocks noGrp="1"/>
+          </p:cNvSpPr>
+          <p:nvPr>
+            <p:ph type="title"/>
+          </p:nvPr>
+        </p:nvSpPr>
+        <p:spPr/>
+        <p:txBody>
+          <a:bodyPr/>
+          <a:lstStyle/>
+          <a:p>
+            <a:r>
+              <a:rPr lang="ko-KR" altLang="en-US" dirty="0" err="1"/>
+              <a:t>한땀한땀</a:t>
+            </a:r>
+            <a:r>
+              <a:rPr lang="ko-KR" altLang="en-US" dirty="0"/>
+              <a:t> </a:t>
+            </a:r>
+          </a:p>
+        </p:txBody>
+      </p:sp>
+      <p:sp>
+        <p:nvSpPr>
+          <p:cNvPr id="3" name="텍스트 개체 틀 2">
+            <a:extLst>
+              <a:ext uri="{FF2B5EF4-FFF2-40B4-BE49-F238E27FC236}">
+                <a16:creationId xmlns:a16="http://schemas.microsoft.com/office/drawing/2014/main" id="{AD301C53-F1FD-4CBF-A948-74D19F75EB20}"/>
+              </a:ext>
+            </a:extLst>
+          </p:cNvPr>
+          <p:cNvSpPr>
+            <a:spLocks noGrp="1"/>
+          </p:cNvSpPr>
+          <p:nvPr>
+            <p:ph type="body" idx="1"/>
+          </p:nvPr>
+        </p:nvSpPr>
+        <p:spPr/>
+        <p:txBody>
+          <a:bodyPr/>
+          <a:lstStyle/>
+          <a:p>
+            <a:endParaRPr lang="ko-KR" altLang="en-US"/>
+          </a:p>
+        </p:txBody>
+      </p:sp>
+    </p:spTree>
+    <p:extLst>
+      <p:ext uri="{BB962C8B-B14F-4D97-AF65-F5344CB8AC3E}">
+        <p14:creationId xmlns:p14="http://schemas.microsoft.com/office/powerpoint/2010/main" val="161226508"/>
+      </p:ext>
+    </p:extLst>
+  </p:cSld>
+  <p:clrMapOvr>
+    <a:masterClrMapping/>
+  </p:clrMapOvr>
+</p:sld>
+</file>
+
 <file path=ppt/slides/slide2.xml><?xml version="1.0" encoding="utf-8"?>
 <p:sld xmlns:a="http://schemas.openxmlformats.org/drawingml/2006/main" xmlns:r="http://schemas.openxmlformats.org/officeDocument/2006/relationships" xmlns:p="http://schemas.openxmlformats.org/presentationml/2006/main">
   <p:cSld>
@@ -4262,6 +5716,215 @@
     <p:extLst>
       <p:ext uri="{BB962C8B-B14F-4D97-AF65-F5344CB8AC3E}">
         <p14:creationId xmlns:p14="http://schemas.microsoft.com/office/powerpoint/2010/main" val="1225768721"/>
+      </p:ext>
+    </p:extLst>
+  </p:cSld>
+  <p:clrMapOvr>
+    <a:masterClrMapping/>
+  </p:clrMapOvr>
+</p:sld>
+</file>
+
+<file path=ppt/slides/slide20.xml><?xml version="1.0" encoding="utf-8"?>
+<p:sld xmlns:a="http://schemas.openxmlformats.org/drawingml/2006/main" xmlns:r="http://schemas.openxmlformats.org/officeDocument/2006/relationships" xmlns:p="http://schemas.openxmlformats.org/presentationml/2006/main">
+  <p:cSld>
+    <p:spTree>
+      <p:nvGrpSpPr>
+        <p:cNvPr id="1" name=""/>
+        <p:cNvGrpSpPr/>
+        <p:nvPr/>
+      </p:nvGrpSpPr>
+      <p:grpSpPr>
+        <a:xfrm>
+          <a:off x="0" y="0"/>
+          <a:ext cx="0" cy="0"/>
+          <a:chOff x="0" y="0"/>
+          <a:chExt cx="0" cy="0"/>
+        </a:xfrm>
+      </p:grpSpPr>
+      <p:pic>
+        <p:nvPicPr>
+          <p:cNvPr id="4" name="내용 개체 틀 3">
+            <a:extLst>
+              <a:ext uri="{FF2B5EF4-FFF2-40B4-BE49-F238E27FC236}">
+                <a16:creationId xmlns:a16="http://schemas.microsoft.com/office/drawing/2014/main" id="{87DFBCF2-9292-47A4-B1E0-EC491D485F88}"/>
+              </a:ext>
+            </a:extLst>
+          </p:cNvPr>
+          <p:cNvPicPr>
+            <a:picLocks noGrp="1" noChangeAspect="1"/>
+          </p:cNvPicPr>
+          <p:nvPr>
+            <p:ph idx="1"/>
+          </p:nvPr>
+        </p:nvPicPr>
+        <p:blipFill>
+          <a:blip r:embed="rId2"/>
+          <a:stretch>
+            <a:fillRect/>
+          </a:stretch>
+        </p:blipFill>
+        <p:spPr>
+          <a:xfrm>
+            <a:off x="0" y="77932"/>
+            <a:ext cx="12192000" cy="6702136"/>
+          </a:xfrm>
+          <a:prstGeom prst="rect">
+            <a:avLst/>
+          </a:prstGeom>
+        </p:spPr>
+      </p:pic>
+      <p:pic>
+        <p:nvPicPr>
+          <p:cNvPr id="13" name="그림 12">
+            <a:extLst>
+              <a:ext uri="{FF2B5EF4-FFF2-40B4-BE49-F238E27FC236}">
+                <a16:creationId xmlns:a16="http://schemas.microsoft.com/office/drawing/2014/main" id="{9FA245A0-5CC4-4724-9622-76BDA9122D48}"/>
+              </a:ext>
+            </a:extLst>
+          </p:cNvPr>
+          <p:cNvPicPr>
+            <a:picLocks noChangeAspect="1"/>
+          </p:cNvPicPr>
+          <p:nvPr/>
+        </p:nvPicPr>
+        <p:blipFill>
+          <a:blip r:embed="rId3"/>
+          <a:stretch>
+            <a:fillRect/>
+          </a:stretch>
+        </p:blipFill>
+        <p:spPr>
+          <a:xfrm>
+            <a:off x="9301516" y="4508500"/>
+            <a:ext cx="2458684" cy="2057585"/>
+          </a:xfrm>
+          <a:prstGeom prst="rect">
+            <a:avLst/>
+          </a:prstGeom>
+        </p:spPr>
+      </p:pic>
+    </p:spTree>
+    <p:extLst>
+      <p:ext uri="{BB962C8B-B14F-4D97-AF65-F5344CB8AC3E}">
+        <p14:creationId xmlns:p14="http://schemas.microsoft.com/office/powerpoint/2010/main" val="1115862917"/>
+      </p:ext>
+    </p:extLst>
+  </p:cSld>
+  <p:clrMapOvr>
+    <a:masterClrMapping/>
+  </p:clrMapOvr>
+</p:sld>
+</file>
+
+<file path=ppt/slides/slide21.xml><?xml version="1.0" encoding="utf-8"?>
+<p:sld xmlns:a="http://schemas.openxmlformats.org/drawingml/2006/main" xmlns:r="http://schemas.openxmlformats.org/officeDocument/2006/relationships" xmlns:p="http://schemas.openxmlformats.org/presentationml/2006/main">
+  <p:cSld>
+    <p:spTree>
+      <p:nvGrpSpPr>
+        <p:cNvPr id="1" name=""/>
+        <p:cNvGrpSpPr/>
+        <p:nvPr/>
+      </p:nvGrpSpPr>
+      <p:grpSpPr>
+        <a:xfrm>
+          <a:off x="0" y="0"/>
+          <a:ext cx="0" cy="0"/>
+          <a:chOff x="0" y="0"/>
+          <a:chExt cx="0" cy="0"/>
+        </a:xfrm>
+      </p:grpSpPr>
+      <p:sp>
+        <p:nvSpPr>
+          <p:cNvPr id="2" name="제목 1">
+            <a:extLst>
+              <a:ext uri="{FF2B5EF4-FFF2-40B4-BE49-F238E27FC236}">
+                <a16:creationId xmlns:a16="http://schemas.microsoft.com/office/drawing/2014/main" id="{F658E291-6E20-48F5-BE32-D4C21BD3AC11}"/>
+              </a:ext>
+            </a:extLst>
+          </p:cNvPr>
+          <p:cNvSpPr>
+            <a:spLocks noGrp="1"/>
+          </p:cNvSpPr>
+          <p:nvPr>
+            <p:ph type="title"/>
+          </p:nvPr>
+        </p:nvSpPr>
+        <p:spPr/>
+        <p:txBody>
+          <a:bodyPr/>
+          <a:lstStyle/>
+          <a:p>
+            <a:endParaRPr lang="ko-KR" altLang="en-US"/>
+          </a:p>
+        </p:txBody>
+      </p:sp>
+      <p:pic>
+        <p:nvPicPr>
+          <p:cNvPr id="4" name="내용 개체 틀 3">
+            <a:extLst>
+              <a:ext uri="{FF2B5EF4-FFF2-40B4-BE49-F238E27FC236}">
+                <a16:creationId xmlns:a16="http://schemas.microsoft.com/office/drawing/2014/main" id="{0DD0B893-D2BF-47D8-AC18-CE90E513A4CA}"/>
+              </a:ext>
+            </a:extLst>
+          </p:cNvPr>
+          <p:cNvPicPr>
+            <a:picLocks noGrp="1" noChangeAspect="1"/>
+          </p:cNvPicPr>
+          <p:nvPr>
+            <p:ph idx="1"/>
+          </p:nvPr>
+        </p:nvPicPr>
+        <p:blipFill>
+          <a:blip r:embed="rId2"/>
+          <a:stretch>
+            <a:fillRect/>
+          </a:stretch>
+        </p:blipFill>
+        <p:spPr>
+          <a:xfrm>
+            <a:off x="245013" y="136525"/>
+            <a:ext cx="2561687" cy="2143784"/>
+          </a:xfrm>
+          <a:prstGeom prst="rect">
+            <a:avLst/>
+          </a:prstGeom>
+        </p:spPr>
+      </p:pic>
+      <p:pic>
+        <p:nvPicPr>
+          <p:cNvPr id="5" name="그림 4">
+            <a:extLst>
+              <a:ext uri="{FF2B5EF4-FFF2-40B4-BE49-F238E27FC236}">
+                <a16:creationId xmlns:a16="http://schemas.microsoft.com/office/drawing/2014/main" id="{5529888B-FE3B-4BC6-A9A2-4938511D5F99}"/>
+              </a:ext>
+            </a:extLst>
+          </p:cNvPr>
+          <p:cNvPicPr>
+            <a:picLocks noChangeAspect="1"/>
+          </p:cNvPicPr>
+          <p:nvPr/>
+        </p:nvPicPr>
+        <p:blipFill>
+          <a:blip r:embed="rId3"/>
+          <a:stretch>
+            <a:fillRect/>
+          </a:stretch>
+        </p:blipFill>
+        <p:spPr>
+          <a:xfrm>
+            <a:off x="245013" y="2327469"/>
+            <a:ext cx="11506200" cy="247650"/>
+          </a:xfrm>
+          <a:prstGeom prst="rect">
+            <a:avLst/>
+          </a:prstGeom>
+        </p:spPr>
+      </p:pic>
+    </p:spTree>
+    <p:extLst>
+      <p:ext uri="{BB962C8B-B14F-4D97-AF65-F5344CB8AC3E}">
+        <p14:creationId xmlns:p14="http://schemas.microsoft.com/office/powerpoint/2010/main" val="2148967579"/>
       </p:ext>
     </p:extLst>
   </p:cSld>

--- a/TensorFlow Beginner 공부.pptx
+++ b/TensorFlow Beginner 공부.pptx
@@ -26,6 +26,7 @@
     <p:sldId id="275" r:id="rId20"/>
     <p:sldId id="274" r:id="rId21"/>
     <p:sldId id="276" r:id="rId22"/>
+    <p:sldId id="277" r:id="rId23"/>
   </p:sldIdLst>
   <p:sldSz cx="12192000" cy="6858000"/>
   <p:notesSz cx="6858000" cy="9144000"/>
@@ -279,7 +280,7 @@
           <a:p>
             <a:fld id="{C9FAC590-CD03-4791-BB02-6AE3E7057554}" type="datetimeFigureOut">
               <a:rPr lang="ko-KR" altLang="en-US" smtClean="0"/>
-              <a:t>2020-07-10</a:t>
+              <a:t>2020-07-13</a:t>
             </a:fld>
             <a:endParaRPr lang="ko-KR" altLang="en-US"/>
           </a:p>
@@ -477,7 +478,7 @@
           <a:p>
             <a:fld id="{C9FAC590-CD03-4791-BB02-6AE3E7057554}" type="datetimeFigureOut">
               <a:rPr lang="ko-KR" altLang="en-US" smtClean="0"/>
-              <a:t>2020-07-10</a:t>
+              <a:t>2020-07-13</a:t>
             </a:fld>
             <a:endParaRPr lang="ko-KR" altLang="en-US"/>
           </a:p>
@@ -685,7 +686,7 @@
           <a:p>
             <a:fld id="{C9FAC590-CD03-4791-BB02-6AE3E7057554}" type="datetimeFigureOut">
               <a:rPr lang="ko-KR" altLang="en-US" smtClean="0"/>
-              <a:t>2020-07-10</a:t>
+              <a:t>2020-07-13</a:t>
             </a:fld>
             <a:endParaRPr lang="ko-KR" altLang="en-US"/>
           </a:p>
@@ -883,7 +884,7 @@
           <a:p>
             <a:fld id="{C9FAC590-CD03-4791-BB02-6AE3E7057554}" type="datetimeFigureOut">
               <a:rPr lang="ko-KR" altLang="en-US" smtClean="0"/>
-              <a:t>2020-07-10</a:t>
+              <a:t>2020-07-13</a:t>
             </a:fld>
             <a:endParaRPr lang="ko-KR" altLang="en-US"/>
           </a:p>
@@ -1158,7 +1159,7 @@
           <a:p>
             <a:fld id="{C9FAC590-CD03-4791-BB02-6AE3E7057554}" type="datetimeFigureOut">
               <a:rPr lang="ko-KR" altLang="en-US" smtClean="0"/>
-              <a:t>2020-07-10</a:t>
+              <a:t>2020-07-13</a:t>
             </a:fld>
             <a:endParaRPr lang="ko-KR" altLang="en-US"/>
           </a:p>
@@ -1423,7 +1424,7 @@
           <a:p>
             <a:fld id="{C9FAC590-CD03-4791-BB02-6AE3E7057554}" type="datetimeFigureOut">
               <a:rPr lang="ko-KR" altLang="en-US" smtClean="0"/>
-              <a:t>2020-07-10</a:t>
+              <a:t>2020-07-13</a:t>
             </a:fld>
             <a:endParaRPr lang="ko-KR" altLang="en-US"/>
           </a:p>
@@ -1835,7 +1836,7 @@
           <a:p>
             <a:fld id="{C9FAC590-CD03-4791-BB02-6AE3E7057554}" type="datetimeFigureOut">
               <a:rPr lang="ko-KR" altLang="en-US" smtClean="0"/>
-              <a:t>2020-07-10</a:t>
+              <a:t>2020-07-13</a:t>
             </a:fld>
             <a:endParaRPr lang="ko-KR" altLang="en-US"/>
           </a:p>
@@ -1976,7 +1977,7 @@
           <a:p>
             <a:fld id="{C9FAC590-CD03-4791-BB02-6AE3E7057554}" type="datetimeFigureOut">
               <a:rPr lang="ko-KR" altLang="en-US" smtClean="0"/>
-              <a:t>2020-07-10</a:t>
+              <a:t>2020-07-13</a:t>
             </a:fld>
             <a:endParaRPr lang="ko-KR" altLang="en-US"/>
           </a:p>
@@ -2089,7 +2090,7 @@
           <a:p>
             <a:fld id="{C9FAC590-CD03-4791-BB02-6AE3E7057554}" type="datetimeFigureOut">
               <a:rPr lang="ko-KR" altLang="en-US" smtClean="0"/>
-              <a:t>2020-07-10</a:t>
+              <a:t>2020-07-13</a:t>
             </a:fld>
             <a:endParaRPr lang="ko-KR" altLang="en-US"/>
           </a:p>
@@ -2400,7 +2401,7 @@
           <a:p>
             <a:fld id="{C9FAC590-CD03-4791-BB02-6AE3E7057554}" type="datetimeFigureOut">
               <a:rPr lang="ko-KR" altLang="en-US" smtClean="0"/>
-              <a:t>2020-07-10</a:t>
+              <a:t>2020-07-13</a:t>
             </a:fld>
             <a:endParaRPr lang="ko-KR" altLang="en-US"/>
           </a:p>
@@ -2688,7 +2689,7 @@
           <a:p>
             <a:fld id="{C9FAC590-CD03-4791-BB02-6AE3E7057554}" type="datetimeFigureOut">
               <a:rPr lang="ko-KR" altLang="en-US" smtClean="0"/>
-              <a:t>2020-07-10</a:t>
+              <a:t>2020-07-13</a:t>
             </a:fld>
             <a:endParaRPr lang="ko-KR" altLang="en-US"/>
           </a:p>
@@ -2929,7 +2930,7 @@
           <a:p>
             <a:fld id="{C9FAC590-CD03-4791-BB02-6AE3E7057554}" type="datetimeFigureOut">
               <a:rPr lang="ko-KR" altLang="en-US" smtClean="0"/>
-              <a:t>2020-07-10</a:t>
+              <a:t>2020-07-13</a:t>
             </a:fld>
             <a:endParaRPr lang="ko-KR" altLang="en-US"/>
           </a:p>
@@ -5934,6 +5935,172 @@
 </p:sld>
 </file>
 
+<file path=ppt/slides/slide22.xml><?xml version="1.0" encoding="utf-8"?>
+<p:sld xmlns:a="http://schemas.openxmlformats.org/drawingml/2006/main" xmlns:r="http://schemas.openxmlformats.org/officeDocument/2006/relationships" xmlns:p="http://schemas.openxmlformats.org/presentationml/2006/main">
+  <p:cSld>
+    <p:spTree>
+      <p:nvGrpSpPr>
+        <p:cNvPr id="1" name=""/>
+        <p:cNvGrpSpPr/>
+        <p:nvPr/>
+      </p:nvGrpSpPr>
+      <p:grpSpPr>
+        <a:xfrm>
+          <a:off x="0" y="0"/>
+          <a:ext cx="0" cy="0"/>
+          <a:chOff x="0" y="0"/>
+          <a:chExt cx="0" cy="0"/>
+        </a:xfrm>
+      </p:grpSpPr>
+      <p:sp>
+        <p:nvSpPr>
+          <p:cNvPr id="7" name="제목 6">
+            <a:extLst>
+              <a:ext uri="{FF2B5EF4-FFF2-40B4-BE49-F238E27FC236}">
+                <a16:creationId xmlns:a16="http://schemas.microsoft.com/office/drawing/2014/main" id="{18A326A4-0369-4E69-AD90-81D5BA3DF91C}"/>
+              </a:ext>
+            </a:extLst>
+          </p:cNvPr>
+          <p:cNvSpPr>
+            <a:spLocks noGrp="1"/>
+          </p:cNvSpPr>
+          <p:nvPr>
+            <p:ph type="title"/>
+          </p:nvPr>
+        </p:nvSpPr>
+        <p:spPr/>
+        <p:txBody>
+          <a:bodyPr/>
+          <a:lstStyle/>
+          <a:p>
+            <a:r>
+              <a:rPr lang="ko-KR" altLang="en-US" dirty="0"/>
+              <a:t>입력 </a:t>
+            </a:r>
+          </a:p>
+        </p:txBody>
+      </p:sp>
+      <p:sp>
+        <p:nvSpPr>
+          <p:cNvPr id="8" name="텍스트 개체 틀 7">
+            <a:extLst>
+              <a:ext uri="{FF2B5EF4-FFF2-40B4-BE49-F238E27FC236}">
+                <a16:creationId xmlns:a16="http://schemas.microsoft.com/office/drawing/2014/main" id="{11945B83-4848-4D2D-A5A5-87CF712D0B1A}"/>
+              </a:ext>
+            </a:extLst>
+          </p:cNvPr>
+          <p:cNvSpPr>
+            <a:spLocks noGrp="1"/>
+          </p:cNvSpPr>
+          <p:nvPr>
+            <p:ph type="body" idx="1"/>
+          </p:nvPr>
+        </p:nvSpPr>
+        <p:spPr/>
+        <p:txBody>
+          <a:bodyPr/>
+          <a:lstStyle/>
+          <a:p>
+            <a:r>
+              <a:rPr lang="en-US" altLang="ko-KR" dirty="0"/>
+              <a:t>Embedding	</a:t>
+            </a:r>
+            <a:endParaRPr lang="ko-KR" altLang="en-US" dirty="0"/>
+          </a:p>
+        </p:txBody>
+      </p:sp>
+      <p:sp>
+        <p:nvSpPr>
+          <p:cNvPr id="9" name="내용 개체 틀 8">
+            <a:extLst>
+              <a:ext uri="{FF2B5EF4-FFF2-40B4-BE49-F238E27FC236}">
+                <a16:creationId xmlns:a16="http://schemas.microsoft.com/office/drawing/2014/main" id="{C09DE700-9132-4721-A31B-EBBF1F7AC80B}"/>
+              </a:ext>
+            </a:extLst>
+          </p:cNvPr>
+          <p:cNvSpPr>
+            <a:spLocks noGrp="1"/>
+          </p:cNvSpPr>
+          <p:nvPr>
+            <p:ph sz="half" idx="2"/>
+          </p:nvPr>
+        </p:nvSpPr>
+        <p:spPr/>
+        <p:txBody>
+          <a:bodyPr/>
+          <a:lstStyle/>
+          <a:p>
+            <a:endParaRPr lang="ko-KR" altLang="en-US" dirty="0"/>
+          </a:p>
+        </p:txBody>
+      </p:sp>
+      <p:sp>
+        <p:nvSpPr>
+          <p:cNvPr id="10" name="텍스트 개체 틀 9">
+            <a:extLst>
+              <a:ext uri="{FF2B5EF4-FFF2-40B4-BE49-F238E27FC236}">
+                <a16:creationId xmlns:a16="http://schemas.microsoft.com/office/drawing/2014/main" id="{71DF49D3-A0FA-4D07-9341-7C02E0F58A57}"/>
+              </a:ext>
+            </a:extLst>
+          </p:cNvPr>
+          <p:cNvSpPr>
+            <a:spLocks noGrp="1"/>
+          </p:cNvSpPr>
+          <p:nvPr>
+            <p:ph type="body" sz="quarter" idx="3"/>
+          </p:nvPr>
+        </p:nvSpPr>
+        <p:spPr/>
+        <p:txBody>
+          <a:bodyPr/>
+          <a:lstStyle/>
+          <a:p>
+            <a:r>
+              <a:rPr lang="en-US" altLang="ko-KR" dirty="0"/>
+              <a:t>Dense</a:t>
+            </a:r>
+            <a:endParaRPr lang="ko-KR" altLang="en-US" dirty="0"/>
+          </a:p>
+        </p:txBody>
+      </p:sp>
+      <p:sp>
+        <p:nvSpPr>
+          <p:cNvPr id="11" name="내용 개체 틀 10">
+            <a:extLst>
+              <a:ext uri="{FF2B5EF4-FFF2-40B4-BE49-F238E27FC236}">
+                <a16:creationId xmlns:a16="http://schemas.microsoft.com/office/drawing/2014/main" id="{25862A3D-01EF-480A-BEB0-76A31C5050FA}"/>
+              </a:ext>
+            </a:extLst>
+          </p:cNvPr>
+          <p:cNvSpPr>
+            <a:spLocks noGrp="1"/>
+          </p:cNvSpPr>
+          <p:nvPr>
+            <p:ph sz="quarter" idx="4"/>
+          </p:nvPr>
+        </p:nvSpPr>
+        <p:spPr/>
+        <p:txBody>
+          <a:bodyPr/>
+          <a:lstStyle/>
+          <a:p>
+            <a:endParaRPr lang="ko-KR" altLang="en-US"/>
+          </a:p>
+        </p:txBody>
+      </p:sp>
+    </p:spTree>
+    <p:extLst>
+      <p:ext uri="{BB962C8B-B14F-4D97-AF65-F5344CB8AC3E}">
+        <p14:creationId xmlns:p14="http://schemas.microsoft.com/office/powerpoint/2010/main" val="4089633944"/>
+      </p:ext>
+    </p:extLst>
+  </p:cSld>
+  <p:clrMapOvr>
+    <a:masterClrMapping/>
+  </p:clrMapOvr>
+</p:sld>
+</file>
+
 <file path=ppt/slides/slide3.xml><?xml version="1.0" encoding="utf-8"?>
 <p:sld xmlns:a="http://schemas.openxmlformats.org/drawingml/2006/main" xmlns:r="http://schemas.openxmlformats.org/officeDocument/2006/relationships" xmlns:p="http://schemas.openxmlformats.org/presentationml/2006/main">
   <p:cSld>
